--- a/capstone.pptx
+++ b/capstone.pptx
@@ -5,9 +5,19 @@
     <p:sldMasterId id="2147483648" r:id="rId1"/>
   </p:sldMasterIdLst>
   <p:sldIdLst>
-    <p:sldId id="256" r:id="rId2"/>
-    <p:sldId id="258" r:id="rId3"/>
-    <p:sldId id="257" r:id="rId4"/>
+    <p:sldId id="258" r:id="rId2"/>
+    <p:sldId id="256" r:id="rId3"/>
+    <p:sldId id="259" r:id="rId4"/>
+    <p:sldId id="260" r:id="rId5"/>
+    <p:sldId id="272" r:id="rId6"/>
+    <p:sldId id="271" r:id="rId7"/>
+    <p:sldId id="264" r:id="rId8"/>
+    <p:sldId id="263" r:id="rId9"/>
+    <p:sldId id="265" r:id="rId10"/>
+    <p:sldId id="267" r:id="rId11"/>
+    <p:sldId id="273" r:id="rId12"/>
+    <p:sldId id="269" r:id="rId13"/>
+    <p:sldId id="270" r:id="rId14"/>
   </p:sldIdLst>
   <p:sldSz cx="12192000" cy="6858000"/>
   <p:notesSz cx="6858000" cy="9144000"/>
@@ -106,6 +116,11 @@
       </a:defRPr>
     </a:lvl9pPr>
   </p:defaultTextStyle>
+  <p:extLst>
+    <p:ext uri="{EFAFB233-063F-42B5-8137-9DF3F51BA10A}">
+      <p15:sldGuideLst xmlns:p15="http://schemas.microsoft.com/office/powerpoint/2012/main"/>
+    </p:ext>
+  </p:extLst>
 </p:presentation>
 </file>
 
@@ -240,7 +255,7 @@
           <a:p>
             <a:fld id="{F802E1B3-F752-3C43-92EB-ADFD2575C06A}" type="datetimeFigureOut">
               <a:rPr lang="en-US" smtClean="0"/>
-              <a:t>7/17/18</a:t>
+              <a:t>7/21/18</a:t>
             </a:fld>
             <a:endParaRPr lang="en-US"/>
           </a:p>
@@ -410,7 +425,7 @@
           <a:p>
             <a:fld id="{F802E1B3-F752-3C43-92EB-ADFD2575C06A}" type="datetimeFigureOut">
               <a:rPr lang="en-US" smtClean="0"/>
-              <a:t>7/17/18</a:t>
+              <a:t>7/21/18</a:t>
             </a:fld>
             <a:endParaRPr lang="en-US"/>
           </a:p>
@@ -590,7 +605,7 @@
           <a:p>
             <a:fld id="{F802E1B3-F752-3C43-92EB-ADFD2575C06A}" type="datetimeFigureOut">
               <a:rPr lang="en-US" smtClean="0"/>
-              <a:t>7/17/18</a:t>
+              <a:t>7/21/18</a:t>
             </a:fld>
             <a:endParaRPr lang="en-US"/>
           </a:p>
@@ -760,7 +775,7 @@
           <a:p>
             <a:fld id="{F802E1B3-F752-3C43-92EB-ADFD2575C06A}" type="datetimeFigureOut">
               <a:rPr lang="en-US" smtClean="0"/>
-              <a:t>7/17/18</a:t>
+              <a:t>7/21/18</a:t>
             </a:fld>
             <a:endParaRPr lang="en-US"/>
           </a:p>
@@ -1006,7 +1021,7 @@
           <a:p>
             <a:fld id="{F802E1B3-F752-3C43-92EB-ADFD2575C06A}" type="datetimeFigureOut">
               <a:rPr lang="en-US" smtClean="0"/>
-              <a:t>7/17/18</a:t>
+              <a:t>7/21/18</a:t>
             </a:fld>
             <a:endParaRPr lang="en-US"/>
           </a:p>
@@ -1238,7 +1253,7 @@
           <a:p>
             <a:fld id="{F802E1B3-F752-3C43-92EB-ADFD2575C06A}" type="datetimeFigureOut">
               <a:rPr lang="en-US" smtClean="0"/>
-              <a:t>7/17/18</a:t>
+              <a:t>7/21/18</a:t>
             </a:fld>
             <a:endParaRPr lang="en-US"/>
           </a:p>
@@ -1605,7 +1620,7 @@
           <a:p>
             <a:fld id="{F802E1B3-F752-3C43-92EB-ADFD2575C06A}" type="datetimeFigureOut">
               <a:rPr lang="en-US" smtClean="0"/>
-              <a:t>7/17/18</a:t>
+              <a:t>7/21/18</a:t>
             </a:fld>
             <a:endParaRPr lang="en-US"/>
           </a:p>
@@ -1723,7 +1738,7 @@
           <a:p>
             <a:fld id="{F802E1B3-F752-3C43-92EB-ADFD2575C06A}" type="datetimeFigureOut">
               <a:rPr lang="en-US" smtClean="0"/>
-              <a:t>7/17/18</a:t>
+              <a:t>7/21/18</a:t>
             </a:fld>
             <a:endParaRPr lang="en-US"/>
           </a:p>
@@ -1818,7 +1833,7 @@
           <a:p>
             <a:fld id="{F802E1B3-F752-3C43-92EB-ADFD2575C06A}" type="datetimeFigureOut">
               <a:rPr lang="en-US" smtClean="0"/>
-              <a:t>7/17/18</a:t>
+              <a:t>7/21/18</a:t>
             </a:fld>
             <a:endParaRPr lang="en-US"/>
           </a:p>
@@ -2095,7 +2110,7 @@
           <a:p>
             <a:fld id="{F802E1B3-F752-3C43-92EB-ADFD2575C06A}" type="datetimeFigureOut">
               <a:rPr lang="en-US" smtClean="0"/>
-              <a:t>7/17/18</a:t>
+              <a:t>7/21/18</a:t>
             </a:fld>
             <a:endParaRPr lang="en-US"/>
           </a:p>
@@ -2348,7 +2363,7 @@
           <a:p>
             <a:fld id="{F802E1B3-F752-3C43-92EB-ADFD2575C06A}" type="datetimeFigureOut">
               <a:rPr lang="en-US" smtClean="0"/>
-              <a:t>7/17/18</a:t>
+              <a:t>7/21/18</a:t>
             </a:fld>
             <a:endParaRPr lang="en-US"/>
           </a:p>
@@ -2561,7 +2576,7 @@
           <a:p>
             <a:fld id="{F802E1B3-F752-3C43-92EB-ADFD2575C06A}" type="datetimeFigureOut">
               <a:rPr lang="en-US" smtClean="0"/>
-              <a:t>7/17/18</a:t>
+              <a:t>7/21/18</a:t>
             </a:fld>
             <a:endParaRPr lang="en-US"/>
           </a:p>
@@ -2952,12 +2967,1573 @@
 <file path=ppt/slides/slide1.xml><?xml version="1.0" encoding="utf-8"?>
 <p:sld xmlns:a="http://schemas.openxmlformats.org/drawingml/2006/main" xmlns:r="http://schemas.openxmlformats.org/officeDocument/2006/relationships" xmlns:p="http://schemas.openxmlformats.org/presentationml/2006/main">
   <p:cSld>
+    <p:spTree>
+      <p:nvGrpSpPr>
+        <p:cNvPr id="1" name=""/>
+        <p:cNvGrpSpPr/>
+        <p:nvPr/>
+      </p:nvGrpSpPr>
+      <p:grpSpPr>
+        <a:xfrm>
+          <a:off x="0" y="0"/>
+          <a:ext cx="0" cy="0"/>
+          <a:chOff x="0" y="0"/>
+          <a:chExt cx="0" cy="0"/>
+        </a:xfrm>
+      </p:grpSpPr>
+      <p:sp>
+        <p:nvSpPr>
+          <p:cNvPr id="2" name="Title 1"/>
+          <p:cNvSpPr>
+            <a:spLocks noGrp="1"/>
+          </p:cNvSpPr>
+          <p:nvPr>
+            <p:ph type="title"/>
+          </p:nvPr>
+        </p:nvSpPr>
+        <p:spPr>
+          <a:xfrm>
+            <a:off x="838200" y="365125"/>
+            <a:ext cx="10515600" cy="2792413"/>
+          </a:xfrm>
+        </p:spPr>
+        <p:txBody>
+          <a:bodyPr>
+            <a:normAutofit/>
+          </a:bodyPr>
+          <a:lstStyle/>
+          <a:p>
+            <a:pPr algn="ctr"/>
+            <a:r>
+              <a:rPr lang="en-US" sz="2800" b="1" dirty="0" smtClean="0"/>
+              <a:t>Course Capstone Project</a:t>
+            </a:r>
+            <a:br>
+              <a:rPr lang="en-US" sz="2800" b="1" dirty="0" smtClean="0"/>
+            </a:br>
+            <a:r>
+              <a:rPr lang="en-US" sz="2800" b="1" dirty="0"/>
+              <a:t/>
+            </a:r>
+            <a:br>
+              <a:rPr lang="en-US" sz="2800" b="1" dirty="0"/>
+            </a:br>
+            <a:r>
+              <a:rPr lang="en-US" b="1" dirty="0" smtClean="0"/>
+              <a:t/>
+            </a:r>
+            <a:br>
+              <a:rPr lang="en-US" b="1" dirty="0" smtClean="0"/>
+            </a:br>
+            <a:r>
+              <a:rPr lang="en-US" sz="6600" b="1" dirty="0" smtClean="0"/>
+              <a:t>Land </a:t>
+            </a:r>
+            <a:r>
+              <a:rPr lang="en-US" sz="6600" b="1" dirty="0"/>
+              <a:t>Use change in Tennessee</a:t>
+            </a:r>
+            <a:endParaRPr lang="en-US" sz="6600" b="1" dirty="0"/>
+          </a:p>
+        </p:txBody>
+      </p:sp>
+      <p:sp>
+        <p:nvSpPr>
+          <p:cNvPr id="3" name="Content Placeholder 2"/>
+          <p:cNvSpPr>
+            <a:spLocks noGrp="1"/>
+          </p:cNvSpPr>
+          <p:nvPr>
+            <p:ph idx="1"/>
+          </p:nvPr>
+        </p:nvSpPr>
+        <p:spPr>
+          <a:xfrm>
+            <a:off x="838200" y="4414837"/>
+            <a:ext cx="10515600" cy="1762125"/>
+          </a:xfrm>
+        </p:spPr>
+        <p:txBody>
+          <a:bodyPr/>
+          <a:lstStyle/>
+          <a:p>
+            <a:pPr marL="0" indent="0" algn="ctr">
+              <a:buNone/>
+            </a:pPr>
+            <a:r>
+              <a:rPr lang="en-US" dirty="0" smtClean="0"/>
+              <a:t>Massih Forootan</a:t>
+            </a:r>
+          </a:p>
+          <a:p>
+            <a:pPr marL="0" indent="0" algn="ctr">
+              <a:buNone/>
+            </a:pPr>
+            <a:r>
+              <a:rPr lang="en-US" dirty="0" smtClean="0"/>
+              <a:t>Nashville Software School</a:t>
+            </a:r>
+          </a:p>
+          <a:p>
+            <a:pPr marL="0" indent="0" algn="ctr">
+              <a:buNone/>
+            </a:pPr>
+            <a:r>
+              <a:rPr lang="en-US" dirty="0" smtClean="0"/>
+              <a:t>Oct 17 </a:t>
+            </a:r>
+            <a:r>
+              <a:rPr lang="mr-IN" dirty="0" smtClean="0"/>
+              <a:t>–</a:t>
+            </a:r>
+            <a:r>
+              <a:rPr lang="en-US" dirty="0" smtClean="0"/>
+              <a:t> Jul 18</a:t>
+            </a:r>
+            <a:endParaRPr lang="en-US" dirty="0"/>
+          </a:p>
+        </p:txBody>
+      </p:sp>
+      <p:sp>
+        <p:nvSpPr>
+          <p:cNvPr id="4" name="Title 1"/>
+          <p:cNvSpPr txBox="1">
+            <a:spLocks/>
+          </p:cNvSpPr>
+          <p:nvPr/>
+        </p:nvSpPr>
+        <p:spPr>
+          <a:xfrm>
+            <a:off x="1635369" y="0"/>
+            <a:ext cx="8921261" cy="726832"/>
+          </a:xfrm>
+          <a:prstGeom prst="rect">
+            <a:avLst/>
+          </a:prstGeom>
+        </p:spPr>
+        <p:txBody>
+          <a:bodyPr vert="horz" lIns="91440" tIns="45720" rIns="91440" bIns="45720" rtlCol="0" anchor="ctr">
+            <a:normAutofit fontScale="97500"/>
+          </a:bodyPr>
+          <a:lstStyle>
+            <a:lvl1pPr algn="l" defTabSz="914400" rtl="0" eaLnBrk="1" latinLnBrk="0" hangingPunct="1">
+              <a:lnSpc>
+                <a:spcPct val="90000"/>
+              </a:lnSpc>
+              <a:spcBef>
+                <a:spcPct val="0"/>
+              </a:spcBef>
+              <a:buNone/>
+              <a:defRPr sz="4400" kern="1200">
+                <a:solidFill>
+                  <a:schemeClr val="tx1"/>
+                </a:solidFill>
+                <a:latin typeface="+mj-lt"/>
+                <a:ea typeface="+mj-ea"/>
+                <a:cs typeface="+mj-cs"/>
+              </a:defRPr>
+            </a:lvl1pPr>
+          </a:lstStyle>
+          <a:p>
+            <a:endParaRPr lang="en-US" b="1" dirty="0"/>
+          </a:p>
+        </p:txBody>
+      </p:sp>
+    </p:spTree>
+    <p:extLst>
+      <p:ext uri="{BB962C8B-B14F-4D97-AF65-F5344CB8AC3E}">
+        <p14:creationId xmlns:p14="http://schemas.microsoft.com/office/powerpoint/2010/main" val="1357546954"/>
+      </p:ext>
+    </p:extLst>
+  </p:cSld>
+  <p:clrMapOvr>
+    <a:masterClrMapping/>
+  </p:clrMapOvr>
+  <p:timing>
+    <p:tnLst>
+      <p:par>
+        <p:cTn id="1" dur="indefinite" restart="never" nodeType="tmRoot"/>
+      </p:par>
+    </p:tnLst>
+  </p:timing>
+</p:sld>
+</file>
+
+<file path=ppt/slides/slide10.xml><?xml version="1.0" encoding="utf-8"?>
+<p:sld xmlns:a="http://schemas.openxmlformats.org/drawingml/2006/main" xmlns:r="http://schemas.openxmlformats.org/officeDocument/2006/relationships" xmlns:p="http://schemas.openxmlformats.org/presentationml/2006/main">
+  <p:cSld>
+    <p:spTree>
+      <p:nvGrpSpPr>
+        <p:cNvPr id="1" name=""/>
+        <p:cNvGrpSpPr/>
+        <p:nvPr/>
+      </p:nvGrpSpPr>
+      <p:grpSpPr>
+        <a:xfrm>
+          <a:off x="0" y="0"/>
+          <a:ext cx="0" cy="0"/>
+          <a:chOff x="0" y="0"/>
+          <a:chExt cx="0" cy="0"/>
+        </a:xfrm>
+      </p:grpSpPr>
+      <p:sp>
+        <p:nvSpPr>
+          <p:cNvPr id="5" name="TextBox 4"/>
+          <p:cNvSpPr txBox="1"/>
+          <p:nvPr/>
+        </p:nvSpPr>
+        <p:spPr>
+          <a:xfrm>
+            <a:off x="4581524" y="5716589"/>
+            <a:ext cx="3200620" cy="584775"/>
+          </a:xfrm>
+          <a:prstGeom prst="rect">
+            <a:avLst/>
+          </a:prstGeom>
+          <a:noFill/>
+        </p:spPr>
+        <p:txBody>
+          <a:bodyPr wrap="none" rtlCol="0">
+            <a:spAutoFit/>
+          </a:bodyPr>
+          <a:lstStyle/>
+          <a:p>
+            <a:r>
+              <a:rPr lang="en-US" sz="3200" b="1" dirty="0" err="1" smtClean="0">
+                <a:solidFill>
+                  <a:schemeClr val="accent1"/>
+                </a:solidFill>
+              </a:rPr>
+              <a:t>cap_kmean.ipynb</a:t>
+            </a:r>
+            <a:endParaRPr lang="en-US" sz="3200" b="1" dirty="0">
+              <a:solidFill>
+                <a:schemeClr val="accent1"/>
+              </a:solidFill>
+            </a:endParaRPr>
+          </a:p>
+        </p:txBody>
+      </p:sp>
+      <p:pic>
+        <p:nvPicPr>
+          <p:cNvPr id="2" name="Picture 1"/>
+          <p:cNvPicPr>
+            <a:picLocks noChangeAspect="1"/>
+          </p:cNvPicPr>
+          <p:nvPr/>
+        </p:nvPicPr>
+        <p:blipFill>
+          <a:blip r:embed="rId2">
+            <a:extLst>
+              <a:ext uri="{28A0092B-C50C-407E-A947-70E740481C1C}">
+                <a14:useLocalDpi xmlns:a14="http://schemas.microsoft.com/office/drawing/2010/main" val="0"/>
+              </a:ext>
+            </a:extLst>
+          </a:blip>
+          <a:stretch>
+            <a:fillRect/>
+          </a:stretch>
+        </p:blipFill>
+        <p:spPr>
+          <a:xfrm>
+            <a:off x="0" y="2524196"/>
+            <a:ext cx="5672138" cy="3133558"/>
+          </a:xfrm>
+          <a:prstGeom prst="rect">
+            <a:avLst/>
+          </a:prstGeom>
+        </p:spPr>
+      </p:pic>
+      <p:pic>
+        <p:nvPicPr>
+          <p:cNvPr id="6" name="Picture 5"/>
+          <p:cNvPicPr>
+            <a:picLocks noChangeAspect="1"/>
+          </p:cNvPicPr>
+          <p:nvPr/>
+        </p:nvPicPr>
+        <p:blipFill>
+          <a:blip r:embed="rId3">
+            <a:extLst>
+              <a:ext uri="{28A0092B-C50C-407E-A947-70E740481C1C}">
+                <a14:useLocalDpi xmlns:a14="http://schemas.microsoft.com/office/drawing/2010/main" val="0"/>
+              </a:ext>
+            </a:extLst>
+          </a:blip>
+          <a:stretch>
+            <a:fillRect/>
+          </a:stretch>
+        </p:blipFill>
+        <p:spPr>
+          <a:xfrm>
+            <a:off x="5926139" y="2524196"/>
+            <a:ext cx="5691378" cy="3124939"/>
+          </a:xfrm>
+          <a:prstGeom prst="rect">
+            <a:avLst/>
+          </a:prstGeom>
+        </p:spPr>
+      </p:pic>
+      <p:sp>
+        <p:nvSpPr>
+          <p:cNvPr id="8" name="Title 1"/>
+          <p:cNvSpPr txBox="1">
+            <a:spLocks/>
+          </p:cNvSpPr>
+          <p:nvPr/>
+        </p:nvSpPr>
+        <p:spPr>
+          <a:xfrm>
+            <a:off x="120894" y="0"/>
+            <a:ext cx="8921261" cy="371475"/>
+          </a:xfrm>
+          <a:prstGeom prst="rect">
+            <a:avLst/>
+          </a:prstGeom>
+        </p:spPr>
+        <p:txBody>
+          <a:bodyPr vert="horz" lIns="91440" tIns="45720" rIns="91440" bIns="45720" rtlCol="0" anchor="ctr">
+            <a:noAutofit/>
+          </a:bodyPr>
+          <a:lstStyle>
+            <a:lvl1pPr algn="l" defTabSz="914400" rtl="0" eaLnBrk="1" latinLnBrk="0" hangingPunct="1">
+              <a:lnSpc>
+                <a:spcPct val="90000"/>
+              </a:lnSpc>
+              <a:spcBef>
+                <a:spcPct val="0"/>
+              </a:spcBef>
+              <a:buNone/>
+              <a:defRPr sz="4400" kern="1200">
+                <a:solidFill>
+                  <a:schemeClr val="tx1"/>
+                </a:solidFill>
+                <a:latin typeface="+mj-lt"/>
+                <a:ea typeface="+mj-ea"/>
+                <a:cs typeface="+mj-cs"/>
+              </a:defRPr>
+            </a:lvl1pPr>
+          </a:lstStyle>
+          <a:p>
+            <a:r>
+              <a:rPr lang="en-US" sz="2400" b="1" smtClean="0">
+                <a:solidFill>
+                  <a:schemeClr val="bg1">
+                    <a:lumMod val="75000"/>
+                  </a:schemeClr>
+                </a:solidFill>
+              </a:rPr>
+              <a:t>Land Use change in Tennessee </a:t>
+            </a:r>
+            <a:r>
+              <a:rPr lang="mr-IN" sz="2400" b="1" smtClean="0">
+                <a:solidFill>
+                  <a:schemeClr val="bg1">
+                    <a:lumMod val="75000"/>
+                  </a:schemeClr>
+                </a:solidFill>
+              </a:rPr>
+              <a:t>–</a:t>
+            </a:r>
+            <a:r>
+              <a:rPr lang="en-US" sz="2400" b="1" smtClean="0">
+                <a:solidFill>
+                  <a:schemeClr val="bg1">
+                    <a:lumMod val="75000"/>
+                  </a:schemeClr>
+                </a:solidFill>
+              </a:rPr>
+              <a:t> Massih Forootan</a:t>
+            </a:r>
+            <a:endParaRPr lang="en-US" sz="2400" b="1" dirty="0">
+              <a:solidFill>
+                <a:schemeClr val="bg1">
+                  <a:lumMod val="75000"/>
+                </a:schemeClr>
+              </a:solidFill>
+            </a:endParaRPr>
+          </a:p>
+        </p:txBody>
+      </p:sp>
+    </p:spTree>
+    <p:extLst>
+      <p:ext uri="{BB962C8B-B14F-4D97-AF65-F5344CB8AC3E}">
+        <p14:creationId xmlns:p14="http://schemas.microsoft.com/office/powerpoint/2010/main" val="1778064301"/>
+      </p:ext>
+    </p:extLst>
+  </p:cSld>
+  <p:clrMapOvr>
+    <a:masterClrMapping/>
+  </p:clrMapOvr>
+  <p:timing>
+    <p:tnLst>
+      <p:par>
+        <p:cTn id="1" dur="indefinite" restart="never" nodeType="tmRoot"/>
+      </p:par>
+    </p:tnLst>
+  </p:timing>
+</p:sld>
+</file>
+
+<file path=ppt/slides/slide11.xml><?xml version="1.0" encoding="utf-8"?>
+<p:sld xmlns:a="http://schemas.openxmlformats.org/drawingml/2006/main" xmlns:r="http://schemas.openxmlformats.org/officeDocument/2006/relationships" xmlns:p="http://schemas.openxmlformats.org/presentationml/2006/main">
+  <p:cSld>
+    <p:spTree>
+      <p:nvGrpSpPr>
+        <p:cNvPr id="1" name=""/>
+        <p:cNvGrpSpPr/>
+        <p:nvPr/>
+      </p:nvGrpSpPr>
+      <p:grpSpPr>
+        <a:xfrm>
+          <a:off x="0" y="0"/>
+          <a:ext cx="0" cy="0"/>
+          <a:chOff x="0" y="0"/>
+          <a:chExt cx="0" cy="0"/>
+        </a:xfrm>
+      </p:grpSpPr>
+      <p:sp>
+        <p:nvSpPr>
+          <p:cNvPr id="5" name="TextBox 4"/>
+          <p:cNvSpPr txBox="1"/>
+          <p:nvPr/>
+        </p:nvSpPr>
+        <p:spPr>
+          <a:xfrm>
+            <a:off x="4581524" y="5716589"/>
+            <a:ext cx="3200620" cy="584775"/>
+          </a:xfrm>
+          <a:prstGeom prst="rect">
+            <a:avLst/>
+          </a:prstGeom>
+          <a:noFill/>
+        </p:spPr>
+        <p:txBody>
+          <a:bodyPr wrap="none" rtlCol="0">
+            <a:spAutoFit/>
+          </a:bodyPr>
+          <a:lstStyle/>
+          <a:p>
+            <a:r>
+              <a:rPr lang="en-US" sz="3200" b="1" dirty="0" err="1" smtClean="0">
+                <a:solidFill>
+                  <a:schemeClr val="accent1"/>
+                </a:solidFill>
+              </a:rPr>
+              <a:t>cap_kmean.ipynb</a:t>
+            </a:r>
+            <a:endParaRPr lang="en-US" sz="3200" b="1" dirty="0">
+              <a:solidFill>
+                <a:schemeClr val="accent1"/>
+              </a:solidFill>
+            </a:endParaRPr>
+          </a:p>
+        </p:txBody>
+      </p:sp>
+      <p:pic>
+        <p:nvPicPr>
+          <p:cNvPr id="7" name="Picture 6"/>
+          <p:cNvPicPr>
+            <a:picLocks noChangeAspect="1"/>
+          </p:cNvPicPr>
+          <p:nvPr/>
+        </p:nvPicPr>
+        <p:blipFill>
+          <a:blip r:embed="rId2">
+            <a:extLst>
+              <a:ext uri="{28A0092B-C50C-407E-A947-70E740481C1C}">
+                <a14:useLocalDpi xmlns:a14="http://schemas.microsoft.com/office/drawing/2010/main" val="0"/>
+              </a:ext>
+            </a:extLst>
+          </a:blip>
+          <a:stretch>
+            <a:fillRect/>
+          </a:stretch>
+        </p:blipFill>
+        <p:spPr>
+          <a:xfrm>
+            <a:off x="5903455" y="2524196"/>
+            <a:ext cx="5476876" cy="3132779"/>
+          </a:xfrm>
+          <a:prstGeom prst="rect">
+            <a:avLst/>
+          </a:prstGeom>
+        </p:spPr>
+      </p:pic>
+      <p:pic>
+        <p:nvPicPr>
+          <p:cNvPr id="8" name="Picture 7"/>
+          <p:cNvPicPr>
+            <a:picLocks noChangeAspect="1"/>
+          </p:cNvPicPr>
+          <p:nvPr/>
+        </p:nvPicPr>
+        <p:blipFill>
+          <a:blip r:embed="rId3">
+            <a:extLst>
+              <a:ext uri="{28A0092B-C50C-407E-A947-70E740481C1C}">
+                <a14:useLocalDpi xmlns:a14="http://schemas.microsoft.com/office/drawing/2010/main" val="0"/>
+              </a:ext>
+            </a:extLst>
+          </a:blip>
+          <a:stretch>
+            <a:fillRect/>
+          </a:stretch>
+        </p:blipFill>
+        <p:spPr>
+          <a:xfrm>
+            <a:off x="4311" y="2532036"/>
+            <a:ext cx="5691378" cy="3124939"/>
+          </a:xfrm>
+          <a:prstGeom prst="rect">
+            <a:avLst/>
+          </a:prstGeom>
+        </p:spPr>
+      </p:pic>
+      <p:sp>
+        <p:nvSpPr>
+          <p:cNvPr id="9" name="Title 1"/>
+          <p:cNvSpPr txBox="1">
+            <a:spLocks/>
+          </p:cNvSpPr>
+          <p:nvPr/>
+        </p:nvSpPr>
+        <p:spPr>
+          <a:xfrm>
+            <a:off x="120894" y="0"/>
+            <a:ext cx="8921261" cy="371475"/>
+          </a:xfrm>
+          <a:prstGeom prst="rect">
+            <a:avLst/>
+          </a:prstGeom>
+        </p:spPr>
+        <p:txBody>
+          <a:bodyPr vert="horz" lIns="91440" tIns="45720" rIns="91440" bIns="45720" rtlCol="0" anchor="ctr">
+            <a:noAutofit/>
+          </a:bodyPr>
+          <a:lstStyle>
+            <a:lvl1pPr algn="l" defTabSz="914400" rtl="0" eaLnBrk="1" latinLnBrk="0" hangingPunct="1">
+              <a:lnSpc>
+                <a:spcPct val="90000"/>
+              </a:lnSpc>
+              <a:spcBef>
+                <a:spcPct val="0"/>
+              </a:spcBef>
+              <a:buNone/>
+              <a:defRPr sz="4400" kern="1200">
+                <a:solidFill>
+                  <a:schemeClr val="tx1"/>
+                </a:solidFill>
+                <a:latin typeface="+mj-lt"/>
+                <a:ea typeface="+mj-ea"/>
+                <a:cs typeface="+mj-cs"/>
+              </a:defRPr>
+            </a:lvl1pPr>
+          </a:lstStyle>
+          <a:p>
+            <a:r>
+              <a:rPr lang="en-US" sz="2400" b="1" smtClean="0">
+                <a:solidFill>
+                  <a:schemeClr val="bg1">
+                    <a:lumMod val="75000"/>
+                  </a:schemeClr>
+                </a:solidFill>
+              </a:rPr>
+              <a:t>Land Use change in Tennessee </a:t>
+            </a:r>
+            <a:r>
+              <a:rPr lang="mr-IN" sz="2400" b="1" smtClean="0">
+                <a:solidFill>
+                  <a:schemeClr val="bg1">
+                    <a:lumMod val="75000"/>
+                  </a:schemeClr>
+                </a:solidFill>
+              </a:rPr>
+              <a:t>–</a:t>
+            </a:r>
+            <a:r>
+              <a:rPr lang="en-US" sz="2400" b="1" smtClean="0">
+                <a:solidFill>
+                  <a:schemeClr val="bg1">
+                    <a:lumMod val="75000"/>
+                  </a:schemeClr>
+                </a:solidFill>
+              </a:rPr>
+              <a:t> Massih Forootan</a:t>
+            </a:r>
+            <a:endParaRPr lang="en-US" sz="2400" b="1" dirty="0">
+              <a:solidFill>
+                <a:schemeClr val="bg1">
+                  <a:lumMod val="75000"/>
+                </a:schemeClr>
+              </a:solidFill>
+            </a:endParaRPr>
+          </a:p>
+        </p:txBody>
+      </p:sp>
+    </p:spTree>
+    <p:extLst>
+      <p:ext uri="{BB962C8B-B14F-4D97-AF65-F5344CB8AC3E}">
+        <p14:creationId xmlns:p14="http://schemas.microsoft.com/office/powerpoint/2010/main" val="974031802"/>
+      </p:ext>
+    </p:extLst>
+  </p:cSld>
+  <p:clrMapOvr>
+    <a:masterClrMapping/>
+  </p:clrMapOvr>
+  <p:timing>
+    <p:tnLst>
+      <p:par>
+        <p:cTn id="1" dur="indefinite" restart="never" nodeType="tmRoot"/>
+      </p:par>
+    </p:tnLst>
+  </p:timing>
+</p:sld>
+</file>
+
+<file path=ppt/slides/slide12.xml><?xml version="1.0" encoding="utf-8"?>
+<p:sld xmlns:a="http://schemas.openxmlformats.org/drawingml/2006/main" xmlns:r="http://schemas.openxmlformats.org/officeDocument/2006/relationships" xmlns:p="http://schemas.openxmlformats.org/presentationml/2006/main">
+  <p:cSld>
+    <p:spTree>
+      <p:nvGrpSpPr>
+        <p:cNvPr id="1" name=""/>
+        <p:cNvGrpSpPr/>
+        <p:nvPr/>
+      </p:nvGrpSpPr>
+      <p:grpSpPr>
+        <a:xfrm>
+          <a:off x="0" y="0"/>
+          <a:ext cx="0" cy="0"/>
+          <a:chOff x="0" y="0"/>
+          <a:chExt cx="0" cy="0"/>
+        </a:xfrm>
+      </p:grpSpPr>
+      <p:sp>
+        <p:nvSpPr>
+          <p:cNvPr id="3" name="Content Placeholder 2"/>
+          <p:cNvSpPr>
+            <a:spLocks noGrp="1"/>
+          </p:cNvSpPr>
+          <p:nvPr>
+            <p:ph idx="1"/>
+          </p:nvPr>
+        </p:nvSpPr>
+        <p:spPr>
+          <a:xfrm>
+            <a:off x="795337" y="868363"/>
+            <a:ext cx="10515600" cy="860426"/>
+          </a:xfrm>
+        </p:spPr>
+        <p:txBody>
+          <a:bodyPr>
+            <a:noAutofit/>
+          </a:bodyPr>
+          <a:lstStyle/>
+          <a:p>
+            <a:pPr marL="0" indent="0">
+              <a:buNone/>
+            </a:pPr>
+            <a:r>
+              <a:rPr lang="en-US" sz="2400" dirty="0" smtClean="0"/>
+              <a:t>PC1/PC2 </a:t>
+            </a:r>
+            <a:r>
+              <a:rPr lang="en-US" sz="2400" dirty="0" err="1" smtClean="0"/>
+              <a:t>biplot</a:t>
+            </a:r>
+            <a:r>
+              <a:rPr lang="en-US" sz="2400" dirty="0" smtClean="0"/>
+              <a:t> and cluster county</a:t>
+            </a:r>
+            <a:endParaRPr lang="en-US" sz="2400" dirty="0"/>
+          </a:p>
+        </p:txBody>
+      </p:sp>
+      <p:sp>
+        <p:nvSpPr>
+          <p:cNvPr id="5" name="TextBox 4"/>
+          <p:cNvSpPr txBox="1"/>
+          <p:nvPr/>
+        </p:nvSpPr>
+        <p:spPr>
+          <a:xfrm>
+            <a:off x="4581524" y="5716589"/>
+            <a:ext cx="3200620" cy="584775"/>
+          </a:xfrm>
+          <a:prstGeom prst="rect">
+            <a:avLst/>
+          </a:prstGeom>
+          <a:noFill/>
+        </p:spPr>
+        <p:txBody>
+          <a:bodyPr wrap="none" rtlCol="0">
+            <a:spAutoFit/>
+          </a:bodyPr>
+          <a:lstStyle/>
+          <a:p>
+            <a:r>
+              <a:rPr lang="en-US" sz="3200" b="1" dirty="0" err="1" smtClean="0">
+                <a:solidFill>
+                  <a:schemeClr val="accent1"/>
+                </a:solidFill>
+              </a:rPr>
+              <a:t>cap_kmean.ipynb</a:t>
+            </a:r>
+            <a:endParaRPr lang="en-US" sz="3200" b="1" dirty="0">
+              <a:solidFill>
+                <a:schemeClr val="accent1"/>
+              </a:solidFill>
+            </a:endParaRPr>
+          </a:p>
+        </p:txBody>
+      </p:sp>
+      <p:pic>
+        <p:nvPicPr>
+          <p:cNvPr id="2" name="Picture 1"/>
+          <p:cNvPicPr>
+            <a:picLocks noChangeAspect="1"/>
+          </p:cNvPicPr>
+          <p:nvPr/>
+        </p:nvPicPr>
+        <p:blipFill>
+          <a:blip r:embed="rId2">
+            <a:extLst>
+              <a:ext uri="{28A0092B-C50C-407E-A947-70E740481C1C}">
+                <a14:useLocalDpi xmlns:a14="http://schemas.microsoft.com/office/drawing/2010/main" val="0"/>
+              </a:ext>
+            </a:extLst>
+          </a:blip>
+          <a:stretch>
+            <a:fillRect/>
+          </a:stretch>
+        </p:blipFill>
+        <p:spPr>
+          <a:xfrm>
+            <a:off x="6196122" y="3194223"/>
+            <a:ext cx="5757862" cy="1684452"/>
+          </a:xfrm>
+          <a:prstGeom prst="rect">
+            <a:avLst/>
+          </a:prstGeom>
+        </p:spPr>
+      </p:pic>
+      <p:pic>
+        <p:nvPicPr>
+          <p:cNvPr id="8" name="Picture 7"/>
+          <p:cNvPicPr>
+            <a:picLocks noChangeAspect="1"/>
+          </p:cNvPicPr>
+          <p:nvPr/>
+        </p:nvPicPr>
+        <p:blipFill>
+          <a:blip r:embed="rId3">
+            <a:extLst>
+              <a:ext uri="{28A0092B-C50C-407E-A947-70E740481C1C}">
+                <a14:useLocalDpi xmlns:a14="http://schemas.microsoft.com/office/drawing/2010/main" val="0"/>
+              </a:ext>
+            </a:extLst>
+          </a:blip>
+          <a:stretch>
+            <a:fillRect/>
+          </a:stretch>
+        </p:blipFill>
+        <p:spPr>
+          <a:xfrm>
+            <a:off x="4311" y="2532036"/>
+            <a:ext cx="5691378" cy="3124939"/>
+          </a:xfrm>
+          <a:prstGeom prst="rect">
+            <a:avLst/>
+          </a:prstGeom>
+        </p:spPr>
+      </p:pic>
+      <p:sp>
+        <p:nvSpPr>
+          <p:cNvPr id="11" name="Title 1"/>
+          <p:cNvSpPr txBox="1">
+            <a:spLocks/>
+          </p:cNvSpPr>
+          <p:nvPr/>
+        </p:nvSpPr>
+        <p:spPr>
+          <a:xfrm>
+            <a:off x="120894" y="0"/>
+            <a:ext cx="8921261" cy="371475"/>
+          </a:xfrm>
+          <a:prstGeom prst="rect">
+            <a:avLst/>
+          </a:prstGeom>
+        </p:spPr>
+        <p:txBody>
+          <a:bodyPr vert="horz" lIns="91440" tIns="45720" rIns="91440" bIns="45720" rtlCol="0" anchor="ctr">
+            <a:noAutofit/>
+          </a:bodyPr>
+          <a:lstStyle>
+            <a:lvl1pPr algn="l" defTabSz="914400" rtl="0" eaLnBrk="1" latinLnBrk="0" hangingPunct="1">
+              <a:lnSpc>
+                <a:spcPct val="90000"/>
+              </a:lnSpc>
+              <a:spcBef>
+                <a:spcPct val="0"/>
+              </a:spcBef>
+              <a:buNone/>
+              <a:defRPr sz="4400" kern="1200">
+                <a:solidFill>
+                  <a:schemeClr val="tx1"/>
+                </a:solidFill>
+                <a:latin typeface="+mj-lt"/>
+                <a:ea typeface="+mj-ea"/>
+                <a:cs typeface="+mj-cs"/>
+              </a:defRPr>
+            </a:lvl1pPr>
+          </a:lstStyle>
+          <a:p>
+            <a:r>
+              <a:rPr lang="en-US" sz="2400" b="1" smtClean="0">
+                <a:solidFill>
+                  <a:schemeClr val="bg1">
+                    <a:lumMod val="75000"/>
+                  </a:schemeClr>
+                </a:solidFill>
+              </a:rPr>
+              <a:t>Land Use change in Tennessee </a:t>
+            </a:r>
+            <a:r>
+              <a:rPr lang="mr-IN" sz="2400" b="1" smtClean="0">
+                <a:solidFill>
+                  <a:schemeClr val="bg1">
+                    <a:lumMod val="75000"/>
+                  </a:schemeClr>
+                </a:solidFill>
+              </a:rPr>
+              <a:t>–</a:t>
+            </a:r>
+            <a:r>
+              <a:rPr lang="en-US" sz="2400" b="1" smtClean="0">
+                <a:solidFill>
+                  <a:schemeClr val="bg1">
+                    <a:lumMod val="75000"/>
+                  </a:schemeClr>
+                </a:solidFill>
+              </a:rPr>
+              <a:t> Massih Forootan</a:t>
+            </a:r>
+            <a:endParaRPr lang="en-US" sz="2400" b="1" dirty="0">
+              <a:solidFill>
+                <a:schemeClr val="bg1">
+                  <a:lumMod val="75000"/>
+                </a:schemeClr>
+              </a:solidFill>
+            </a:endParaRPr>
+          </a:p>
+        </p:txBody>
+      </p:sp>
+    </p:spTree>
+    <p:extLst>
+      <p:ext uri="{BB962C8B-B14F-4D97-AF65-F5344CB8AC3E}">
+        <p14:creationId xmlns:p14="http://schemas.microsoft.com/office/powerpoint/2010/main" val="61672792"/>
+      </p:ext>
+    </p:extLst>
+  </p:cSld>
+  <p:clrMapOvr>
+    <a:masterClrMapping/>
+  </p:clrMapOvr>
+  <p:timing>
+    <p:tnLst>
+      <p:par>
+        <p:cTn id="1" dur="indefinite" restart="never" nodeType="tmRoot"/>
+      </p:par>
+    </p:tnLst>
+  </p:timing>
+</p:sld>
+</file>
+
+<file path=ppt/slides/slide13.xml><?xml version="1.0" encoding="utf-8"?>
+<p:sld xmlns:a="http://schemas.openxmlformats.org/drawingml/2006/main" xmlns:r="http://schemas.openxmlformats.org/officeDocument/2006/relationships" xmlns:p="http://schemas.openxmlformats.org/presentationml/2006/main">
+  <p:cSld>
+    <p:spTree>
+      <p:nvGrpSpPr>
+        <p:cNvPr id="1" name=""/>
+        <p:cNvGrpSpPr/>
+        <p:nvPr/>
+      </p:nvGrpSpPr>
+      <p:grpSpPr>
+        <a:xfrm>
+          <a:off x="0" y="0"/>
+          <a:ext cx="0" cy="0"/>
+          <a:chOff x="0" y="0"/>
+          <a:chExt cx="0" cy="0"/>
+        </a:xfrm>
+      </p:grpSpPr>
+      <p:sp>
+        <p:nvSpPr>
+          <p:cNvPr id="3" name="Content Placeholder 2"/>
+          <p:cNvSpPr>
+            <a:spLocks noGrp="1"/>
+          </p:cNvSpPr>
+          <p:nvPr>
+            <p:ph idx="1"/>
+          </p:nvPr>
+        </p:nvSpPr>
+        <p:spPr>
+          <a:xfrm>
+            <a:off x="795337" y="868363"/>
+            <a:ext cx="10515600" cy="860426"/>
+          </a:xfrm>
+        </p:spPr>
+        <p:txBody>
+          <a:bodyPr>
+            <a:noAutofit/>
+          </a:bodyPr>
+          <a:lstStyle/>
+          <a:p>
+            <a:pPr marL="0" indent="0">
+              <a:buNone/>
+            </a:pPr>
+            <a:r>
+              <a:rPr lang="en-US" sz="2400" dirty="0" smtClean="0"/>
+              <a:t>Features correlated to each other</a:t>
+            </a:r>
+            <a:endParaRPr lang="en-US" sz="2400" dirty="0"/>
+          </a:p>
+        </p:txBody>
+      </p:sp>
+      <p:sp>
+        <p:nvSpPr>
+          <p:cNvPr id="5" name="TextBox 4"/>
+          <p:cNvSpPr txBox="1"/>
+          <p:nvPr/>
+        </p:nvSpPr>
+        <p:spPr>
+          <a:xfrm>
+            <a:off x="4581524" y="5716589"/>
+            <a:ext cx="3200620" cy="584775"/>
+          </a:xfrm>
+          <a:prstGeom prst="rect">
+            <a:avLst/>
+          </a:prstGeom>
+          <a:noFill/>
+        </p:spPr>
+        <p:txBody>
+          <a:bodyPr wrap="none" rtlCol="0">
+            <a:spAutoFit/>
+          </a:bodyPr>
+          <a:lstStyle/>
+          <a:p>
+            <a:r>
+              <a:rPr lang="en-US" sz="3200" b="1" dirty="0" err="1" smtClean="0">
+                <a:solidFill>
+                  <a:schemeClr val="accent1"/>
+                </a:solidFill>
+              </a:rPr>
+              <a:t>cap_kmean.ipynb</a:t>
+            </a:r>
+            <a:endParaRPr lang="en-US" sz="3200" b="1" dirty="0">
+              <a:solidFill>
+                <a:schemeClr val="accent1"/>
+              </a:solidFill>
+            </a:endParaRPr>
+          </a:p>
+        </p:txBody>
+      </p:sp>
+      <p:sp>
+        <p:nvSpPr>
+          <p:cNvPr id="6" name="TextBox 5"/>
+          <p:cNvSpPr txBox="1"/>
+          <p:nvPr/>
+        </p:nvSpPr>
+        <p:spPr>
+          <a:xfrm>
+            <a:off x="1954076" y="2214562"/>
+            <a:ext cx="4175271" cy="3416320"/>
+          </a:xfrm>
+          <a:prstGeom prst="rect">
+            <a:avLst/>
+          </a:prstGeom>
+          <a:noFill/>
+        </p:spPr>
+        <p:txBody>
+          <a:bodyPr wrap="square" rtlCol="0">
+            <a:spAutoFit/>
+          </a:bodyPr>
+          <a:lstStyle/>
+          <a:p>
+            <a:r>
+              <a:rPr lang="en-US" dirty="0" smtClean="0"/>
+              <a:t>Housing unit </a:t>
+            </a:r>
+            <a:r>
+              <a:rPr lang="mr-IN" dirty="0" smtClean="0"/>
+              <a:t>–</a:t>
+            </a:r>
+            <a:r>
+              <a:rPr lang="en-US" dirty="0" smtClean="0"/>
+              <a:t> Population - Home sales</a:t>
+            </a:r>
+          </a:p>
+          <a:p>
+            <a:endParaRPr lang="en-US" dirty="0"/>
+          </a:p>
+          <a:p>
+            <a:r>
+              <a:rPr lang="en-US" dirty="0" smtClean="0"/>
+              <a:t>Idle croplands  </a:t>
+            </a:r>
+            <a:r>
+              <a:rPr lang="mr-IN" dirty="0" smtClean="0"/>
+              <a:t>–</a:t>
+            </a:r>
+            <a:r>
+              <a:rPr lang="en-US" dirty="0" smtClean="0"/>
+              <a:t> Large size farms </a:t>
+            </a:r>
+            <a:r>
+              <a:rPr lang="mr-IN" dirty="0" smtClean="0"/>
+              <a:t>–</a:t>
+            </a:r>
+            <a:r>
+              <a:rPr lang="en-US" dirty="0" smtClean="0"/>
+              <a:t> Conserved land </a:t>
+            </a:r>
+            <a:r>
+              <a:rPr lang="mr-IN" dirty="0" smtClean="0"/>
+              <a:t>–</a:t>
+            </a:r>
+            <a:r>
+              <a:rPr lang="en-US" dirty="0" smtClean="0"/>
+              <a:t> Cropland insured</a:t>
+            </a:r>
+          </a:p>
+          <a:p>
+            <a:endParaRPr lang="en-US" dirty="0"/>
+          </a:p>
+          <a:p>
+            <a:r>
+              <a:rPr lang="en-US" dirty="0" smtClean="0"/>
+              <a:t>Median price </a:t>
+            </a:r>
+            <a:r>
+              <a:rPr lang="mr-IN" dirty="0" smtClean="0"/>
+              <a:t>–</a:t>
+            </a:r>
+            <a:r>
+              <a:rPr lang="en-US" dirty="0" smtClean="0"/>
+              <a:t> Small farms </a:t>
+            </a:r>
+            <a:r>
+              <a:rPr lang="mr-IN" dirty="0" smtClean="0"/>
+              <a:t>–</a:t>
+            </a:r>
+            <a:r>
+              <a:rPr lang="en-US" dirty="0" smtClean="0"/>
+              <a:t> Population change</a:t>
+            </a:r>
+          </a:p>
+          <a:p>
+            <a:endParaRPr lang="en-US" dirty="0" smtClean="0"/>
+          </a:p>
+          <a:p>
+            <a:r>
+              <a:rPr lang="en-US" dirty="0" smtClean="0"/>
+              <a:t>Cropland grazed </a:t>
+            </a:r>
+            <a:r>
+              <a:rPr lang="mr-IN" dirty="0" smtClean="0"/>
+              <a:t>–</a:t>
+            </a:r>
+            <a:r>
+              <a:rPr lang="en-US" dirty="0" smtClean="0"/>
+              <a:t> Mid size farms </a:t>
+            </a:r>
+            <a:r>
+              <a:rPr lang="mr-IN" dirty="0" smtClean="0"/>
+              <a:t>–</a:t>
+            </a:r>
+            <a:r>
+              <a:rPr lang="en-US" dirty="0" smtClean="0"/>
+              <a:t> Failed croplands</a:t>
+            </a:r>
+          </a:p>
+          <a:p>
+            <a:endParaRPr lang="en-US" dirty="0"/>
+          </a:p>
+          <a:p>
+            <a:r>
+              <a:rPr lang="en-US" dirty="0" smtClean="0"/>
+              <a:t>Building area in farms </a:t>
+            </a:r>
+            <a:r>
+              <a:rPr lang="mr-IN" dirty="0" smtClean="0"/>
+              <a:t>–</a:t>
+            </a:r>
+            <a:r>
+              <a:rPr lang="en-US" dirty="0" smtClean="0"/>
+              <a:t> Woodland area</a:t>
+            </a:r>
+            <a:endParaRPr lang="en-US" dirty="0"/>
+          </a:p>
+        </p:txBody>
+      </p:sp>
+      <p:sp>
+        <p:nvSpPr>
+          <p:cNvPr id="8" name="Rectangle 7"/>
+          <p:cNvSpPr/>
+          <p:nvPr/>
+        </p:nvSpPr>
+        <p:spPr>
+          <a:xfrm>
+            <a:off x="1666880" y="2307790"/>
+            <a:ext cx="219079" cy="206818"/>
+          </a:xfrm>
+          <a:prstGeom prst="rect">
+            <a:avLst/>
+          </a:prstGeom>
+          <a:solidFill>
+            <a:schemeClr val="accent6"/>
+          </a:solidFill>
+          <a:ln>
+            <a:noFill/>
+          </a:ln>
+        </p:spPr>
+        <p:style>
+          <a:lnRef idx="2">
+            <a:schemeClr val="accent1">
+              <a:shade val="50000"/>
+            </a:schemeClr>
+          </a:lnRef>
+          <a:fillRef idx="1">
+            <a:schemeClr val="accent1"/>
+          </a:fillRef>
+          <a:effectRef idx="0">
+            <a:schemeClr val="accent1"/>
+          </a:effectRef>
+          <a:fontRef idx="minor">
+            <a:schemeClr val="lt1"/>
+          </a:fontRef>
+        </p:style>
+        <p:txBody>
+          <a:bodyPr rtlCol="0" anchor="ctr"/>
+          <a:lstStyle/>
+          <a:p>
+            <a:pPr algn="ctr"/>
+            <a:endParaRPr lang="en-US"/>
+          </a:p>
+        </p:txBody>
+      </p:sp>
+      <p:sp>
+        <p:nvSpPr>
+          <p:cNvPr id="14" name="Rectangle 13"/>
+          <p:cNvSpPr/>
+          <p:nvPr/>
+        </p:nvSpPr>
+        <p:spPr>
+          <a:xfrm>
+            <a:off x="1662113" y="2917400"/>
+            <a:ext cx="219079" cy="206818"/>
+          </a:xfrm>
+          <a:prstGeom prst="rect">
+            <a:avLst/>
+          </a:prstGeom>
+          <a:solidFill>
+            <a:srgbClr val="7030A0"/>
+          </a:solidFill>
+          <a:ln>
+            <a:noFill/>
+          </a:ln>
+        </p:spPr>
+        <p:style>
+          <a:lnRef idx="2">
+            <a:schemeClr val="accent1">
+              <a:shade val="50000"/>
+            </a:schemeClr>
+          </a:lnRef>
+          <a:fillRef idx="1">
+            <a:schemeClr val="accent1"/>
+          </a:fillRef>
+          <a:effectRef idx="0">
+            <a:schemeClr val="accent1"/>
+          </a:effectRef>
+          <a:fontRef idx="minor">
+            <a:schemeClr val="lt1"/>
+          </a:fontRef>
+        </p:style>
+        <p:txBody>
+          <a:bodyPr rtlCol="0" anchor="ctr"/>
+          <a:lstStyle/>
+          <a:p>
+            <a:pPr algn="ctr"/>
+            <a:endParaRPr lang="en-US"/>
+          </a:p>
+        </p:txBody>
+      </p:sp>
+      <p:sp>
+        <p:nvSpPr>
+          <p:cNvPr id="15" name="Rectangle 14"/>
+          <p:cNvSpPr/>
+          <p:nvPr/>
+        </p:nvSpPr>
+        <p:spPr>
+          <a:xfrm>
+            <a:off x="1343019" y="2912632"/>
+            <a:ext cx="219079" cy="206818"/>
+          </a:xfrm>
+          <a:prstGeom prst="rect">
+            <a:avLst/>
+          </a:prstGeom>
+          <a:solidFill>
+            <a:schemeClr val="accent4"/>
+          </a:solidFill>
+          <a:ln>
+            <a:noFill/>
+          </a:ln>
+        </p:spPr>
+        <p:style>
+          <a:lnRef idx="2">
+            <a:schemeClr val="accent1">
+              <a:shade val="50000"/>
+            </a:schemeClr>
+          </a:lnRef>
+          <a:fillRef idx="1">
+            <a:schemeClr val="accent1"/>
+          </a:fillRef>
+          <a:effectRef idx="0">
+            <a:schemeClr val="accent1"/>
+          </a:effectRef>
+          <a:fontRef idx="minor">
+            <a:schemeClr val="lt1"/>
+          </a:fontRef>
+        </p:style>
+        <p:txBody>
+          <a:bodyPr rtlCol="0" anchor="ctr"/>
+          <a:lstStyle/>
+          <a:p>
+            <a:pPr algn="ctr"/>
+            <a:endParaRPr lang="en-US"/>
+          </a:p>
+        </p:txBody>
+      </p:sp>
+      <p:sp>
+        <p:nvSpPr>
+          <p:cNvPr id="16" name="Rectangle 15"/>
+          <p:cNvSpPr/>
+          <p:nvPr/>
+        </p:nvSpPr>
+        <p:spPr>
+          <a:xfrm>
+            <a:off x="1681162" y="3693693"/>
+            <a:ext cx="219079" cy="206818"/>
+          </a:xfrm>
+          <a:prstGeom prst="rect">
+            <a:avLst/>
+          </a:prstGeom>
+          <a:solidFill>
+            <a:srgbClr val="FF0000"/>
+          </a:solidFill>
+          <a:ln>
+            <a:noFill/>
+          </a:ln>
+        </p:spPr>
+        <p:style>
+          <a:lnRef idx="2">
+            <a:schemeClr val="accent1">
+              <a:shade val="50000"/>
+            </a:schemeClr>
+          </a:lnRef>
+          <a:fillRef idx="1">
+            <a:schemeClr val="accent1"/>
+          </a:fillRef>
+          <a:effectRef idx="0">
+            <a:schemeClr val="accent1"/>
+          </a:effectRef>
+          <a:fontRef idx="minor">
+            <a:schemeClr val="lt1"/>
+          </a:fontRef>
+        </p:style>
+        <p:txBody>
+          <a:bodyPr rtlCol="0" anchor="ctr"/>
+          <a:lstStyle/>
+          <a:p>
+            <a:pPr algn="ctr"/>
+            <a:endParaRPr lang="en-US"/>
+          </a:p>
+        </p:txBody>
+      </p:sp>
+      <p:sp>
+        <p:nvSpPr>
+          <p:cNvPr id="17" name="Rectangle 16"/>
+          <p:cNvSpPr/>
+          <p:nvPr/>
+        </p:nvSpPr>
+        <p:spPr>
+          <a:xfrm>
+            <a:off x="1690684" y="4517619"/>
+            <a:ext cx="219079" cy="206818"/>
+          </a:xfrm>
+          <a:prstGeom prst="rect">
+            <a:avLst/>
+          </a:prstGeom>
+          <a:solidFill>
+            <a:srgbClr val="FF0000"/>
+          </a:solidFill>
+          <a:ln>
+            <a:noFill/>
+          </a:ln>
+        </p:spPr>
+        <p:style>
+          <a:lnRef idx="2">
+            <a:schemeClr val="accent1">
+              <a:shade val="50000"/>
+            </a:schemeClr>
+          </a:lnRef>
+          <a:fillRef idx="1">
+            <a:schemeClr val="accent1"/>
+          </a:fillRef>
+          <a:effectRef idx="0">
+            <a:schemeClr val="accent1"/>
+          </a:effectRef>
+          <a:fontRef idx="minor">
+            <a:schemeClr val="lt1"/>
+          </a:fontRef>
+        </p:style>
+        <p:txBody>
+          <a:bodyPr rtlCol="0" anchor="ctr"/>
+          <a:lstStyle/>
+          <a:p>
+            <a:pPr algn="ctr"/>
+            <a:endParaRPr lang="en-US"/>
+          </a:p>
+        </p:txBody>
+      </p:sp>
+      <p:sp>
+        <p:nvSpPr>
+          <p:cNvPr id="18" name="Rectangle 17"/>
+          <p:cNvSpPr/>
+          <p:nvPr/>
+        </p:nvSpPr>
+        <p:spPr>
+          <a:xfrm>
+            <a:off x="1357304" y="4512851"/>
+            <a:ext cx="219079" cy="206818"/>
+          </a:xfrm>
+          <a:prstGeom prst="rect">
+            <a:avLst/>
+          </a:prstGeom>
+          <a:solidFill>
+            <a:schemeClr val="accent1"/>
+          </a:solidFill>
+          <a:ln>
+            <a:noFill/>
+          </a:ln>
+        </p:spPr>
+        <p:style>
+          <a:lnRef idx="2">
+            <a:schemeClr val="accent1">
+              <a:shade val="50000"/>
+            </a:schemeClr>
+          </a:lnRef>
+          <a:fillRef idx="1">
+            <a:schemeClr val="accent1"/>
+          </a:fillRef>
+          <a:effectRef idx="0">
+            <a:schemeClr val="accent1"/>
+          </a:effectRef>
+          <a:fontRef idx="minor">
+            <a:schemeClr val="lt1"/>
+          </a:fontRef>
+        </p:style>
+        <p:txBody>
+          <a:bodyPr rtlCol="0" anchor="ctr"/>
+          <a:lstStyle/>
+          <a:p>
+            <a:pPr algn="ctr"/>
+            <a:endParaRPr lang="en-US"/>
+          </a:p>
+        </p:txBody>
+      </p:sp>
+      <p:sp>
+        <p:nvSpPr>
+          <p:cNvPr id="19" name="Rectangle 18"/>
+          <p:cNvSpPr/>
+          <p:nvPr/>
+        </p:nvSpPr>
+        <p:spPr>
+          <a:xfrm>
+            <a:off x="1681160" y="5293903"/>
+            <a:ext cx="219079" cy="206818"/>
+          </a:xfrm>
+          <a:prstGeom prst="rect">
+            <a:avLst/>
+          </a:prstGeom>
+          <a:solidFill>
+            <a:schemeClr val="accent1"/>
+          </a:solidFill>
+          <a:ln>
+            <a:noFill/>
+          </a:ln>
+        </p:spPr>
+        <p:style>
+          <a:lnRef idx="2">
+            <a:schemeClr val="accent1">
+              <a:shade val="50000"/>
+            </a:schemeClr>
+          </a:lnRef>
+          <a:fillRef idx="1">
+            <a:schemeClr val="accent1"/>
+          </a:fillRef>
+          <a:effectRef idx="0">
+            <a:schemeClr val="accent1"/>
+          </a:effectRef>
+          <a:fontRef idx="minor">
+            <a:schemeClr val="lt1"/>
+          </a:fontRef>
+        </p:style>
+        <p:txBody>
+          <a:bodyPr rtlCol="0" anchor="ctr"/>
+          <a:lstStyle/>
+          <a:p>
+            <a:pPr algn="ctr"/>
+            <a:endParaRPr lang="en-US"/>
+          </a:p>
+        </p:txBody>
+      </p:sp>
+      <p:pic>
+        <p:nvPicPr>
+          <p:cNvPr id="20" name="Picture 19"/>
+          <p:cNvPicPr>
+            <a:picLocks noChangeAspect="1"/>
+          </p:cNvPicPr>
+          <p:nvPr/>
+        </p:nvPicPr>
+        <p:blipFill>
+          <a:blip r:embed="rId2">
+            <a:extLst>
+              <a:ext uri="{28A0092B-C50C-407E-A947-70E740481C1C}">
+                <a14:useLocalDpi xmlns:a14="http://schemas.microsoft.com/office/drawing/2010/main" val="0"/>
+              </a:ext>
+            </a:extLst>
+          </a:blip>
+          <a:stretch>
+            <a:fillRect/>
+          </a:stretch>
+        </p:blipFill>
+        <p:spPr>
+          <a:xfrm>
+            <a:off x="5398087" y="355838"/>
+            <a:ext cx="6672238" cy="1951951"/>
+          </a:xfrm>
+          <a:prstGeom prst="rect">
+            <a:avLst/>
+          </a:prstGeom>
+        </p:spPr>
+      </p:pic>
+      <p:sp>
+        <p:nvSpPr>
+          <p:cNvPr id="21" name="Title 1"/>
+          <p:cNvSpPr txBox="1">
+            <a:spLocks/>
+          </p:cNvSpPr>
+          <p:nvPr/>
+        </p:nvSpPr>
+        <p:spPr>
+          <a:xfrm>
+            <a:off x="120894" y="0"/>
+            <a:ext cx="8921261" cy="371475"/>
+          </a:xfrm>
+          <a:prstGeom prst="rect">
+            <a:avLst/>
+          </a:prstGeom>
+        </p:spPr>
+        <p:txBody>
+          <a:bodyPr vert="horz" lIns="91440" tIns="45720" rIns="91440" bIns="45720" rtlCol="0" anchor="ctr">
+            <a:noAutofit/>
+          </a:bodyPr>
+          <a:lstStyle>
+            <a:lvl1pPr algn="l" defTabSz="914400" rtl="0" eaLnBrk="1" latinLnBrk="0" hangingPunct="1">
+              <a:lnSpc>
+                <a:spcPct val="90000"/>
+              </a:lnSpc>
+              <a:spcBef>
+                <a:spcPct val="0"/>
+              </a:spcBef>
+              <a:buNone/>
+              <a:defRPr sz="4400" kern="1200">
+                <a:solidFill>
+                  <a:schemeClr val="tx1"/>
+                </a:solidFill>
+                <a:latin typeface="+mj-lt"/>
+                <a:ea typeface="+mj-ea"/>
+                <a:cs typeface="+mj-cs"/>
+              </a:defRPr>
+            </a:lvl1pPr>
+          </a:lstStyle>
+          <a:p>
+            <a:r>
+              <a:rPr lang="en-US" sz="2400" b="1" smtClean="0">
+                <a:solidFill>
+                  <a:schemeClr val="bg1">
+                    <a:lumMod val="75000"/>
+                  </a:schemeClr>
+                </a:solidFill>
+              </a:rPr>
+              <a:t>Land Use change in Tennessee </a:t>
+            </a:r>
+            <a:r>
+              <a:rPr lang="mr-IN" sz="2400" b="1" smtClean="0">
+                <a:solidFill>
+                  <a:schemeClr val="bg1">
+                    <a:lumMod val="75000"/>
+                  </a:schemeClr>
+                </a:solidFill>
+              </a:rPr>
+              <a:t>–</a:t>
+            </a:r>
+            <a:r>
+              <a:rPr lang="en-US" sz="2400" b="1" smtClean="0">
+                <a:solidFill>
+                  <a:schemeClr val="bg1">
+                    <a:lumMod val="75000"/>
+                  </a:schemeClr>
+                </a:solidFill>
+              </a:rPr>
+              <a:t> Massih Forootan</a:t>
+            </a:r>
+            <a:endParaRPr lang="en-US" sz="2400" b="1" dirty="0">
+              <a:solidFill>
+                <a:schemeClr val="bg1">
+                  <a:lumMod val="75000"/>
+                </a:schemeClr>
+              </a:solidFill>
+            </a:endParaRPr>
+          </a:p>
+        </p:txBody>
+      </p:sp>
+    </p:spTree>
+    <p:extLst>
+      <p:ext uri="{BB962C8B-B14F-4D97-AF65-F5344CB8AC3E}">
+        <p14:creationId xmlns:p14="http://schemas.microsoft.com/office/powerpoint/2010/main" val="752159327"/>
+      </p:ext>
+    </p:extLst>
+  </p:cSld>
+  <p:clrMapOvr>
+    <a:masterClrMapping/>
+  </p:clrMapOvr>
+  <p:timing>
+    <p:tnLst>
+      <p:par>
+        <p:cTn id="1" dur="indefinite" restart="never" nodeType="tmRoot"/>
+      </p:par>
+    </p:tnLst>
+  </p:timing>
+</p:sld>
+</file>
+
+<file path=ppt/slides/slide2.xml><?xml version="1.0" encoding="utf-8"?>
+<p:sld xmlns:a="http://schemas.openxmlformats.org/drawingml/2006/main" xmlns:r="http://schemas.openxmlformats.org/officeDocument/2006/relationships" xmlns:p="http://schemas.openxmlformats.org/presentationml/2006/main">
+  <p:cSld>
     <p:bg>
       <p:bgPr>
         <a:solidFill>
-          <a:schemeClr val="accent6">
-            <a:lumMod val="75000"/>
-          </a:schemeClr>
+          <a:schemeClr val="bg1"/>
         </a:solidFill>
         <a:effectLst/>
       </p:bgPr>
@@ -2988,35 +4564,62 @@
         </p:nvSpPr>
         <p:spPr>
           <a:xfrm>
-            <a:off x="1635369" y="0"/>
-            <a:ext cx="8921261" cy="726832"/>
+            <a:off x="120894" y="0"/>
+            <a:ext cx="8921261" cy="371475"/>
           </a:xfrm>
         </p:spPr>
         <p:txBody>
           <a:bodyPr>
-            <a:normAutofit fontScale="90000"/>
+            <a:noAutofit/>
           </a:bodyPr>
           <a:lstStyle/>
           <a:p>
-            <a:r>
-              <a:rPr lang="en-US" b="1" dirty="0" smtClean="0">
-                <a:solidFill>
-                  <a:schemeClr val="bg1"/>
+            <a:pPr algn="l"/>
+            <a:r>
+              <a:rPr lang="en-US" sz="2400" b="1" dirty="0" smtClean="0">
+                <a:solidFill>
+                  <a:schemeClr val="bg1">
+                    <a:lumMod val="75000"/>
+                  </a:schemeClr>
                 </a:solidFill>
               </a:rPr>
-              <a:t>Land Use change </a:t>
-            </a:r>
-            <a:r>
-              <a:rPr lang="en-US" b="1" smtClean="0">
-                <a:solidFill>
-                  <a:schemeClr val="bg1"/>
+              <a:t>Land Use change in </a:t>
+            </a:r>
+            <a:r>
+              <a:rPr lang="en-US" sz="2400" b="1" dirty="0" smtClean="0">
+                <a:solidFill>
+                  <a:schemeClr val="bg1">
+                    <a:lumMod val="75000"/>
+                  </a:schemeClr>
                 </a:solidFill>
               </a:rPr>
-              <a:t>in Tennessee</a:t>
-            </a:r>
-            <a:endParaRPr lang="en-US" b="1" dirty="0">
+              <a:t>Tennessee </a:t>
+            </a:r>
+            <a:r>
+              <a:rPr lang="mr-IN" sz="2400" b="1" dirty="0" smtClean="0">
+                <a:solidFill>
+                  <a:schemeClr val="bg1">
+                    <a:lumMod val="75000"/>
+                  </a:schemeClr>
+                </a:solidFill>
+              </a:rPr>
+              <a:t>–</a:t>
+            </a:r>
+            <a:r>
+              <a:rPr lang="en-US" sz="2400" b="1" dirty="0" smtClean="0">
+                <a:solidFill>
+                  <a:schemeClr val="bg1">
+                    <a:lumMod val="75000"/>
+                  </a:schemeClr>
+                </a:solidFill>
+              </a:rPr>
+              <a:t> Massih Forootan</a:t>
+            </a:r>
+            <a:endParaRPr lang="en-US" sz="2400" b="1" dirty="0">
               <a:solidFill>
-                <a:schemeClr val="bg1"/>
+                <a:schemeClr val="bg1">
+                  <a:lumMod val="75000"/>
+                </a:schemeClr>
               </a:solidFill>
             </a:endParaRPr>
           </a:p>
@@ -3030,8 +4633,8 @@
         </p:nvSpPr>
         <p:spPr>
           <a:xfrm>
-            <a:off x="728663" y="1000125"/>
-            <a:ext cx="8158259" cy="923330"/>
+            <a:off x="828674" y="742861"/>
+            <a:ext cx="10541091" cy="2677656"/>
           </a:xfrm>
           <a:prstGeom prst="rect">
             <a:avLst/>
@@ -3044,33 +4647,62 @@
           </a:bodyPr>
           <a:lstStyle/>
           <a:p>
+            <a:r>
+              <a:rPr lang="en-US" sz="2400" b="1" dirty="0" smtClean="0"/>
+              <a:t>Background (</a:t>
+            </a:r>
+            <a:r>
+              <a:rPr lang="en-US" sz="2400" b="1" dirty="0" err="1" smtClean="0"/>
+              <a:t>Midstone</a:t>
+            </a:r>
+            <a:r>
+              <a:rPr lang="en-US" sz="2400" b="1" dirty="0" smtClean="0"/>
+              <a:t> project </a:t>
+            </a:r>
+            <a:r>
+              <a:rPr lang="mr-IN" sz="2400" b="1" dirty="0" smtClean="0"/>
+              <a:t>–</a:t>
+            </a:r>
+            <a:r>
+              <a:rPr lang="en-US" sz="2400" b="1" dirty="0" smtClean="0"/>
+              <a:t> </a:t>
+            </a:r>
+            <a:r>
+              <a:rPr lang="en-US" sz="2400" b="1" dirty="0" err="1" smtClean="0"/>
+              <a:t>ShinyApp</a:t>
+            </a:r>
+            <a:r>
+              <a:rPr lang="en-US" sz="2400" b="1" dirty="0" smtClean="0"/>
+              <a:t>)</a:t>
+            </a:r>
+          </a:p>
+          <a:p>
+            <a:endParaRPr lang="en-US" sz="2400" b="1" dirty="0" smtClean="0"/>
+          </a:p>
+          <a:p>
             <a:pPr marL="285750" indent="-285750">
               <a:buFont typeface="Arial" charset="0"/>
               <a:buChar char="•"/>
             </a:pPr>
             <a:r>
-              <a:rPr lang="en-US" dirty="0" smtClean="0">
-                <a:solidFill>
-                  <a:schemeClr val="bg1"/>
-                </a:solidFill>
-              </a:rPr>
-              <a:t>Farmlands area has decreased during the 2002 </a:t>
-            </a:r>
-            <a:r>
-              <a:rPr lang="mr-IN" dirty="0" smtClean="0">
-                <a:solidFill>
-                  <a:schemeClr val="bg1"/>
-                </a:solidFill>
-              </a:rPr>
+              <a:rPr lang="en-US" sz="2400" dirty="0" smtClean="0"/>
+              <a:t>Farmlands </a:t>
+            </a:r>
+            <a:r>
+              <a:rPr lang="en-US" sz="2400" dirty="0" smtClean="0"/>
+              <a:t>area has decreased during the 2002 </a:t>
+            </a:r>
+            <a:r>
+              <a:rPr lang="mr-IN" sz="2400" dirty="0" smtClean="0"/>
               <a:t>–</a:t>
             </a:r>
             <a:r>
-              <a:rPr lang="en-US" dirty="0" smtClean="0">
-                <a:solidFill>
-                  <a:schemeClr val="bg1"/>
-                </a:solidFill>
-              </a:rPr>
-              <a:t> 2012 according to USDA Census, </a:t>
+              <a:rPr lang="en-US" sz="2400" dirty="0" smtClean="0"/>
+              <a:t> 2012 according to USDA </a:t>
+            </a:r>
+            <a:r>
+              <a:rPr lang="en-US" sz="2400" dirty="0" smtClean="0"/>
+              <a:t>Census</a:t>
             </a:r>
           </a:p>
           <a:p>
@@ -3078,14 +4710,7 @@
               <a:buFont typeface="Arial" charset="0"/>
               <a:buChar char="•"/>
             </a:pPr>
-            <a:r>
-              <a:rPr lang="en-US" dirty="0" smtClean="0">
-                <a:solidFill>
-                  <a:schemeClr val="bg1"/>
-                </a:solidFill>
-              </a:rPr>
-              <a:t>Meanwhile, the land used for residential/commercial is growing</a:t>
-            </a:r>
+            <a:endParaRPr lang="en-US" sz="2400" dirty="0" smtClean="0"/>
           </a:p>
           <a:p>
             <a:pPr marL="285750" indent="-285750">
@@ -3093,248 +4718,94 @@
               <a:buChar char="•"/>
             </a:pPr>
             <a:r>
-              <a:rPr lang="en-US" dirty="0" smtClean="0">
-                <a:solidFill>
-                  <a:schemeClr val="bg1"/>
-                </a:solidFill>
-              </a:rPr>
+              <a:rPr lang="en-US" sz="2400" dirty="0" smtClean="0"/>
+              <a:t>Meanwhile, the land used for residential/commercial is </a:t>
+            </a:r>
+            <a:r>
+              <a:rPr lang="en-US" sz="2400" dirty="0" smtClean="0"/>
+              <a:t>growing</a:t>
+            </a:r>
+          </a:p>
+          <a:p>
+            <a:pPr marL="285750" indent="-285750">
+              <a:buFont typeface="Arial" charset="0"/>
+              <a:buChar char="•"/>
+            </a:pPr>
+            <a:endParaRPr lang="en-US" sz="2400" dirty="0" smtClean="0"/>
+          </a:p>
+          <a:p>
+            <a:pPr marL="285750" indent="-285750">
+              <a:buFont typeface="Arial" charset="0"/>
+              <a:buChar char="•"/>
+            </a:pPr>
+            <a:r>
+              <a:rPr lang="en-US" sz="2400" dirty="0" smtClean="0"/>
               <a:t>The pattern of the change is not the same among different counties</a:t>
             </a:r>
-            <a:endParaRPr lang="en-US" dirty="0">
-              <a:solidFill>
-                <a:schemeClr val="bg1"/>
-              </a:solidFill>
-            </a:endParaRPr>
-          </a:p>
-        </p:txBody>
-      </p:sp>
-      <p:sp>
-        <p:nvSpPr>
-          <p:cNvPr id="5" name="TextBox 4"/>
-          <p:cNvSpPr txBox="1"/>
+            <a:endParaRPr lang="en-US" sz="2400" dirty="0"/>
+          </a:p>
+        </p:txBody>
+      </p:sp>
+      <p:pic>
+        <p:nvPicPr>
+          <p:cNvPr id="3" name="Picture 2"/>
+          <p:cNvPicPr>
+            <a:picLocks noChangeAspect="1"/>
+          </p:cNvPicPr>
           <p:nvPr/>
-        </p:nvSpPr>
-        <p:spPr>
-          <a:xfrm>
-            <a:off x="728663" y="2343150"/>
-            <a:ext cx="10344150" cy="4247317"/>
+        </p:nvPicPr>
+        <p:blipFill>
+          <a:blip r:embed="rId2">
+            <a:extLst>
+              <a:ext uri="{28A0092B-C50C-407E-A947-70E740481C1C}">
+                <a14:useLocalDpi xmlns:a14="http://schemas.microsoft.com/office/drawing/2010/main" val="0"/>
+              </a:ext>
+            </a:extLst>
+          </a:blip>
+          <a:stretch>
+            <a:fillRect/>
+          </a:stretch>
+        </p:blipFill>
+        <p:spPr>
+          <a:xfrm>
+            <a:off x="1128713" y="3791903"/>
+            <a:ext cx="3757613" cy="2732081"/>
           </a:xfrm>
           <a:prstGeom prst="rect">
             <a:avLst/>
           </a:prstGeom>
-          <a:noFill/>
-        </p:spPr>
-        <p:txBody>
-          <a:bodyPr wrap="square" rtlCol="0">
-            <a:spAutoFit/>
-          </a:bodyPr>
-          <a:lstStyle/>
-          <a:p>
-            <a:r>
-              <a:rPr lang="en-US" b="1" dirty="0">
-                <a:solidFill>
-                  <a:srgbClr val="FFFF00"/>
-                </a:solidFill>
-              </a:rPr>
-              <a:t>Question:</a:t>
-            </a:r>
-            <a:endParaRPr lang="en-US" dirty="0">
-              <a:solidFill>
-                <a:srgbClr val="FFFF00"/>
-              </a:solidFill>
-            </a:endParaRPr>
-          </a:p>
-          <a:p>
-            <a:r>
-              <a:rPr lang="en-US" dirty="0">
-                <a:solidFill>
-                  <a:srgbClr val="FFFF00"/>
-                </a:solidFill>
-              </a:rPr>
-              <a:t>What factor(s) contribute to the decrease in farm land use?</a:t>
-            </a:r>
-          </a:p>
-          <a:p>
-            <a:r>
-              <a:rPr lang="en-US" dirty="0">
-                <a:solidFill>
-                  <a:schemeClr val="bg1"/>
-                </a:solidFill>
-              </a:rPr>
-              <a:t> </a:t>
-            </a:r>
-          </a:p>
-          <a:p>
-            <a:r>
-              <a:rPr lang="en-US" b="1" dirty="0">
-                <a:solidFill>
-                  <a:schemeClr val="bg1"/>
-                </a:solidFill>
-              </a:rPr>
-              <a:t>Hypotheses: </a:t>
-            </a:r>
-            <a:endParaRPr lang="en-US" dirty="0" smtClean="0">
-              <a:solidFill>
-                <a:schemeClr val="bg1"/>
-              </a:solidFill>
-            </a:endParaRPr>
-          </a:p>
-          <a:p>
-            <a:endParaRPr lang="en-US" dirty="0">
-              <a:solidFill>
-                <a:schemeClr val="bg1"/>
-              </a:solidFill>
-            </a:endParaRPr>
-          </a:p>
-          <a:p>
-            <a:r>
-              <a:rPr lang="en-US" dirty="0" smtClean="0">
-                <a:solidFill>
-                  <a:schemeClr val="bg1"/>
-                </a:solidFill>
-              </a:rPr>
-              <a:t>The </a:t>
-            </a:r>
-            <a:r>
-              <a:rPr lang="en-US" dirty="0">
-                <a:solidFill>
-                  <a:schemeClr val="bg1"/>
-                </a:solidFill>
-              </a:rPr>
-              <a:t>metrics that </a:t>
-            </a:r>
-            <a:r>
-              <a:rPr lang="en-US" dirty="0" smtClean="0">
-                <a:solidFill>
-                  <a:schemeClr val="bg1"/>
-                </a:solidFill>
-              </a:rPr>
-              <a:t>impact </a:t>
-            </a:r>
-            <a:r>
-              <a:rPr lang="en-US" dirty="0">
-                <a:solidFill>
-                  <a:schemeClr val="bg1"/>
-                </a:solidFill>
-              </a:rPr>
-              <a:t>the change in farmlands are believed to be or related to the following traits, and will therefore be put on test</a:t>
-            </a:r>
-            <a:r>
-              <a:rPr lang="en-US" dirty="0" smtClean="0">
-                <a:solidFill>
-                  <a:schemeClr val="bg1"/>
-                </a:solidFill>
-              </a:rPr>
-              <a:t>:</a:t>
-            </a:r>
-          </a:p>
-          <a:p>
-            <a:endParaRPr lang="en-US" dirty="0">
-              <a:solidFill>
-                <a:schemeClr val="bg1"/>
-              </a:solidFill>
-            </a:endParaRPr>
-          </a:p>
-          <a:p>
-            <a:pPr marL="342900" indent="-342900" fontAlgn="ctr">
-              <a:buFont typeface="+mj-lt"/>
-              <a:buAutoNum type="arabicPeriod"/>
-            </a:pPr>
-            <a:r>
-              <a:rPr lang="en-US" dirty="0">
-                <a:solidFill>
-                  <a:schemeClr val="bg1"/>
-                </a:solidFill>
-              </a:rPr>
-              <a:t>Farms that make less dollar amounts due to mismanagement and/or marketing bottlenecks will gradually receive more preference for changing land use.</a:t>
-            </a:r>
-          </a:p>
-          <a:p>
-            <a:pPr marL="342900" indent="-342900" fontAlgn="ctr">
-              <a:buFont typeface="+mj-lt"/>
-              <a:buAutoNum type="arabicPeriod"/>
-            </a:pPr>
-            <a:r>
-              <a:rPr lang="en-US" dirty="0">
-                <a:solidFill>
-                  <a:schemeClr val="bg1"/>
-                </a:solidFill>
-              </a:rPr>
-              <a:t>Farms that are smaller in area (</a:t>
-            </a:r>
-            <a:r>
-              <a:rPr lang="en-US" dirty="0" err="1">
-                <a:solidFill>
-                  <a:schemeClr val="bg1"/>
-                </a:solidFill>
-              </a:rPr>
-              <a:t>eg</a:t>
-            </a:r>
-            <a:r>
-              <a:rPr lang="en-US" dirty="0">
-                <a:solidFill>
-                  <a:schemeClr val="bg1"/>
-                </a:solidFill>
-              </a:rPr>
-              <a:t> after being split among next generation) will become less profitable, encouraging the land owner to consider changing land </a:t>
-            </a:r>
-            <a:r>
-              <a:rPr lang="en-US" dirty="0" smtClean="0">
-                <a:solidFill>
-                  <a:schemeClr val="bg1"/>
-                </a:solidFill>
-              </a:rPr>
-              <a:t>use</a:t>
-            </a:r>
-          </a:p>
-          <a:p>
-            <a:pPr marL="342900" indent="-342900" fontAlgn="ctr">
-              <a:buFont typeface="+mj-lt"/>
-              <a:buAutoNum type="arabicPeriod"/>
-            </a:pPr>
-            <a:endParaRPr lang="en-US" dirty="0" smtClean="0">
-              <a:solidFill>
-                <a:schemeClr val="bg1"/>
-              </a:solidFill>
-            </a:endParaRPr>
-          </a:p>
-          <a:p>
-            <a:pPr fontAlgn="ctr"/>
-            <a:r>
-              <a:rPr lang="en-US" dirty="0" smtClean="0">
-                <a:solidFill>
-                  <a:schemeClr val="bg1"/>
-                </a:solidFill>
-              </a:rPr>
-              <a:t>In </a:t>
-            </a:r>
-            <a:r>
-              <a:rPr lang="en-US" dirty="0">
-                <a:solidFill>
-                  <a:schemeClr val="bg1"/>
-                </a:solidFill>
-              </a:rPr>
-              <a:t>both cases, the market value for residential/commercial properties in the same </a:t>
-            </a:r>
-            <a:r>
-              <a:rPr lang="en-US" dirty="0" smtClean="0">
-                <a:solidFill>
-                  <a:schemeClr val="bg1"/>
-                </a:solidFill>
-              </a:rPr>
-              <a:t>area, hand in hand with big industries </a:t>
-            </a:r>
-            <a:r>
-              <a:rPr lang="en-US" dirty="0">
-                <a:solidFill>
-                  <a:schemeClr val="bg1"/>
-                </a:solidFill>
-              </a:rPr>
-              <a:t>can act as an incentive or a barrier.</a:t>
-            </a:r>
-          </a:p>
-        </p:txBody>
-      </p:sp>
+        </p:spPr>
+      </p:pic>
+      <p:pic>
+        <p:nvPicPr>
+          <p:cNvPr id="8" name="Picture 7"/>
+          <p:cNvPicPr>
+            <a:picLocks noChangeAspect="1"/>
+          </p:cNvPicPr>
+          <p:nvPr/>
+        </p:nvPicPr>
+        <p:blipFill>
+          <a:blip r:embed="rId3">
+            <a:extLst>
+              <a:ext uri="{28A0092B-C50C-407E-A947-70E740481C1C}">
+                <a14:useLocalDpi xmlns:a14="http://schemas.microsoft.com/office/drawing/2010/main" val="0"/>
+              </a:ext>
+            </a:extLst>
+          </a:blip>
+          <a:stretch>
+            <a:fillRect/>
+          </a:stretch>
+        </p:blipFill>
+        <p:spPr>
+          <a:xfrm>
+            <a:off x="7005315" y="3791902"/>
+            <a:ext cx="3715789" cy="2732081"/>
+          </a:xfrm>
+          <a:prstGeom prst="rect">
+            <a:avLst/>
+          </a:prstGeom>
+        </p:spPr>
+      </p:pic>
     </p:spTree>
     <p:extLst>
       <p:ext uri="{BB962C8B-B14F-4D97-AF65-F5344CB8AC3E}">
@@ -3345,413 +4816,13 @@
   <p:clrMapOvr>
     <a:masterClrMapping/>
   </p:clrMapOvr>
-</p:sld>
-</file>
-
-<file path=ppt/slides/slide2.xml><?xml version="1.0" encoding="utf-8"?>
-<p:sld xmlns:a="http://schemas.openxmlformats.org/drawingml/2006/main" xmlns:r="http://schemas.openxmlformats.org/officeDocument/2006/relationships" xmlns:p="http://schemas.openxmlformats.org/presentationml/2006/main">
-  <p:cSld>
-    <p:bg>
-      <p:bgPr>
-        <a:solidFill>
-          <a:schemeClr val="accent6">
-            <a:lumMod val="75000"/>
-          </a:schemeClr>
-        </a:solidFill>
-        <a:effectLst/>
-      </p:bgPr>
-    </p:bg>
-    <p:spTree>
-      <p:nvGrpSpPr>
-        <p:cNvPr id="1" name=""/>
-        <p:cNvGrpSpPr/>
-        <p:nvPr/>
-      </p:nvGrpSpPr>
-      <p:grpSpPr>
-        <a:xfrm>
-          <a:off x="0" y="0"/>
-          <a:ext cx="0" cy="0"/>
-          <a:chOff x="0" y="0"/>
-          <a:chExt cx="0" cy="0"/>
-        </a:xfrm>
-      </p:grpSpPr>
-      <p:sp>
-        <p:nvSpPr>
-          <p:cNvPr id="2" name="Title 1"/>
-          <p:cNvSpPr>
-            <a:spLocks noGrp="1"/>
-          </p:cNvSpPr>
-          <p:nvPr>
-            <p:ph type="ctrTitle"/>
-          </p:nvPr>
-        </p:nvSpPr>
-        <p:spPr>
-          <a:xfrm>
-            <a:off x="1635369" y="0"/>
-            <a:ext cx="8921261" cy="726832"/>
-          </a:xfrm>
-        </p:spPr>
-        <p:txBody>
-          <a:bodyPr>
-            <a:normAutofit fontScale="90000"/>
-          </a:bodyPr>
-          <a:lstStyle/>
-          <a:p>
-            <a:r>
-              <a:rPr lang="en-US" b="1" dirty="0" smtClean="0">
-                <a:solidFill>
-                  <a:schemeClr val="bg1"/>
-                </a:solidFill>
-              </a:rPr>
-              <a:t>Land Use change in Tennessee</a:t>
-            </a:r>
-            <a:endParaRPr lang="en-US" b="1" dirty="0">
-              <a:solidFill>
-                <a:schemeClr val="bg1"/>
-              </a:solidFill>
-            </a:endParaRPr>
-          </a:p>
-        </p:txBody>
-      </p:sp>
-      <p:sp>
-        <p:nvSpPr>
-          <p:cNvPr id="4" name="TextBox 3"/>
-          <p:cNvSpPr txBox="1"/>
-          <p:nvPr/>
-        </p:nvSpPr>
-        <p:spPr>
-          <a:xfrm>
-            <a:off x="728663" y="1000125"/>
-            <a:ext cx="8158259" cy="923330"/>
-          </a:xfrm>
-          <a:prstGeom prst="rect">
-            <a:avLst/>
-          </a:prstGeom>
-          <a:noFill/>
-        </p:spPr>
-        <p:txBody>
-          <a:bodyPr wrap="none" rtlCol="0">
-            <a:spAutoFit/>
-          </a:bodyPr>
-          <a:lstStyle/>
-          <a:p>
-            <a:pPr marL="285750" indent="-285750">
-              <a:buFont typeface="Arial" charset="0"/>
-              <a:buChar char="•"/>
-            </a:pPr>
-            <a:r>
-              <a:rPr lang="en-US" dirty="0" smtClean="0">
-                <a:solidFill>
-                  <a:schemeClr val="bg1"/>
-                </a:solidFill>
-              </a:rPr>
-              <a:t>Farmlands area has decreased during the 2002 </a:t>
-            </a:r>
-            <a:r>
-              <a:rPr lang="mr-IN" dirty="0" smtClean="0">
-                <a:solidFill>
-                  <a:schemeClr val="bg1"/>
-                </a:solidFill>
-              </a:rPr>
-              <a:t>–</a:t>
-            </a:r>
-            <a:r>
-              <a:rPr lang="en-US" dirty="0" smtClean="0">
-                <a:solidFill>
-                  <a:schemeClr val="bg1"/>
-                </a:solidFill>
-              </a:rPr>
-              <a:t> 2012 according to USDA Census, </a:t>
-            </a:r>
-          </a:p>
-          <a:p>
-            <a:pPr marL="285750" indent="-285750">
-              <a:buFont typeface="Arial" charset="0"/>
-              <a:buChar char="•"/>
-            </a:pPr>
-            <a:r>
-              <a:rPr lang="en-US" dirty="0" smtClean="0">
-                <a:solidFill>
-                  <a:schemeClr val="bg1"/>
-                </a:solidFill>
-              </a:rPr>
-              <a:t>Meanwhile, the land used for residential/commercial is growing</a:t>
-            </a:r>
-          </a:p>
-          <a:p>
-            <a:pPr marL="285750" indent="-285750">
-              <a:buFont typeface="Arial" charset="0"/>
-              <a:buChar char="•"/>
-            </a:pPr>
-            <a:r>
-              <a:rPr lang="en-US" dirty="0" smtClean="0">
-                <a:solidFill>
-                  <a:schemeClr val="bg1"/>
-                </a:solidFill>
-              </a:rPr>
-              <a:t>The pattern of the change is not the same among different counties</a:t>
-            </a:r>
-            <a:endParaRPr lang="en-US" dirty="0">
-              <a:solidFill>
-                <a:schemeClr val="bg1"/>
-              </a:solidFill>
-            </a:endParaRPr>
-          </a:p>
-        </p:txBody>
-      </p:sp>
-      <p:sp>
-        <p:nvSpPr>
-          <p:cNvPr id="5" name="TextBox 4"/>
-          <p:cNvSpPr txBox="1"/>
-          <p:nvPr/>
-        </p:nvSpPr>
-        <p:spPr>
-          <a:xfrm>
-            <a:off x="728663" y="2343150"/>
-            <a:ext cx="10344150" cy="4247317"/>
-          </a:xfrm>
-          <a:prstGeom prst="rect">
-            <a:avLst/>
-          </a:prstGeom>
-          <a:noFill/>
-        </p:spPr>
-        <p:txBody>
-          <a:bodyPr wrap="square" rtlCol="0">
-            <a:spAutoFit/>
-          </a:bodyPr>
-          <a:lstStyle/>
-          <a:p>
-            <a:r>
-              <a:rPr lang="en-US" b="1" dirty="0">
-                <a:solidFill>
-                  <a:srgbClr val="FFFF00"/>
-                </a:solidFill>
-              </a:rPr>
-              <a:t>Question:</a:t>
-            </a:r>
-            <a:endParaRPr lang="en-US" dirty="0">
-              <a:solidFill>
-                <a:srgbClr val="FFFF00"/>
-              </a:solidFill>
-            </a:endParaRPr>
-          </a:p>
-          <a:p>
-            <a:r>
-              <a:rPr lang="en-US" dirty="0">
-                <a:solidFill>
-                  <a:srgbClr val="FFFF00"/>
-                </a:solidFill>
-              </a:rPr>
-              <a:t>What factor(s) contribute to the </a:t>
-            </a:r>
-            <a:r>
-              <a:rPr lang="en-US" dirty="0" smtClean="0">
-                <a:solidFill>
-                  <a:srgbClr val="FFFF00"/>
-                </a:solidFill>
-              </a:rPr>
-              <a:t>change in </a:t>
-            </a:r>
-            <a:r>
-              <a:rPr lang="en-US" dirty="0">
-                <a:solidFill>
-                  <a:srgbClr val="FFFF00"/>
-                </a:solidFill>
-              </a:rPr>
-              <a:t>farm land use?</a:t>
-            </a:r>
-          </a:p>
-          <a:p>
-            <a:r>
-              <a:rPr lang="en-US" dirty="0">
-                <a:solidFill>
-                  <a:schemeClr val="bg1"/>
-                </a:solidFill>
-              </a:rPr>
-              <a:t> </a:t>
-            </a:r>
-          </a:p>
-          <a:p>
-            <a:r>
-              <a:rPr lang="en-US" b="1" dirty="0">
-                <a:solidFill>
-                  <a:schemeClr val="bg1"/>
-                </a:solidFill>
-              </a:rPr>
-              <a:t>Hypotheses: </a:t>
-            </a:r>
-            <a:endParaRPr lang="en-US" dirty="0" smtClean="0">
-              <a:solidFill>
-                <a:schemeClr val="bg1"/>
-              </a:solidFill>
-            </a:endParaRPr>
-          </a:p>
-          <a:p>
-            <a:endParaRPr lang="en-US" dirty="0">
-              <a:solidFill>
-                <a:schemeClr val="bg1"/>
-              </a:solidFill>
-            </a:endParaRPr>
-          </a:p>
-          <a:p>
-            <a:r>
-              <a:rPr lang="en-US" dirty="0" smtClean="0">
-                <a:solidFill>
-                  <a:schemeClr val="bg1"/>
-                </a:solidFill>
-              </a:rPr>
-              <a:t>The </a:t>
-            </a:r>
-            <a:r>
-              <a:rPr lang="en-US" dirty="0">
-                <a:solidFill>
-                  <a:schemeClr val="bg1"/>
-                </a:solidFill>
-              </a:rPr>
-              <a:t>metrics that </a:t>
-            </a:r>
-            <a:r>
-              <a:rPr lang="en-US" dirty="0" smtClean="0">
-                <a:solidFill>
-                  <a:schemeClr val="bg1"/>
-                </a:solidFill>
-              </a:rPr>
-              <a:t>impact </a:t>
-            </a:r>
-            <a:r>
-              <a:rPr lang="en-US" dirty="0">
-                <a:solidFill>
-                  <a:schemeClr val="bg1"/>
-                </a:solidFill>
-              </a:rPr>
-              <a:t>the change in farmlands are believed to be or related to the following traits, and will therefore be put on test</a:t>
-            </a:r>
-            <a:r>
-              <a:rPr lang="en-US" dirty="0" smtClean="0">
-                <a:solidFill>
-                  <a:schemeClr val="bg1"/>
-                </a:solidFill>
-              </a:rPr>
-              <a:t>:</a:t>
-            </a:r>
-          </a:p>
-          <a:p>
-            <a:endParaRPr lang="en-US" dirty="0">
-              <a:solidFill>
-                <a:schemeClr val="bg1"/>
-              </a:solidFill>
-            </a:endParaRPr>
-          </a:p>
-          <a:p>
-            <a:pPr marL="342900" indent="-342900" fontAlgn="ctr">
-              <a:buFont typeface="+mj-lt"/>
-              <a:buAutoNum type="arabicPeriod"/>
-            </a:pPr>
-            <a:r>
-              <a:rPr lang="en-US" dirty="0">
-                <a:solidFill>
-                  <a:schemeClr val="bg1"/>
-                </a:solidFill>
-              </a:rPr>
-              <a:t>Farms that make less dollar amounts due to mismanagement and/or marketing bottlenecks will gradually receive more preference for changing land use.</a:t>
-            </a:r>
-          </a:p>
-          <a:p>
-            <a:pPr marL="342900" indent="-342900" fontAlgn="ctr">
-              <a:buFont typeface="+mj-lt"/>
-              <a:buAutoNum type="arabicPeriod"/>
-            </a:pPr>
-            <a:r>
-              <a:rPr lang="en-US" dirty="0">
-                <a:solidFill>
-                  <a:schemeClr val="bg1"/>
-                </a:solidFill>
-              </a:rPr>
-              <a:t>Farms that are smaller in area (</a:t>
-            </a:r>
-            <a:r>
-              <a:rPr lang="en-US" dirty="0" err="1">
-                <a:solidFill>
-                  <a:schemeClr val="bg1"/>
-                </a:solidFill>
-              </a:rPr>
-              <a:t>eg</a:t>
-            </a:r>
-            <a:r>
-              <a:rPr lang="en-US" dirty="0">
-                <a:solidFill>
-                  <a:schemeClr val="bg1"/>
-                </a:solidFill>
-              </a:rPr>
-              <a:t> after being split among next generation) will become less profitable, encouraging the land owner to consider changing land </a:t>
-            </a:r>
-            <a:r>
-              <a:rPr lang="en-US" dirty="0" smtClean="0">
-                <a:solidFill>
-                  <a:schemeClr val="bg1"/>
-                </a:solidFill>
-              </a:rPr>
-              <a:t>use</a:t>
-            </a:r>
-          </a:p>
-          <a:p>
-            <a:pPr marL="342900" indent="-342900" fontAlgn="ctr">
-              <a:buFont typeface="+mj-lt"/>
-              <a:buAutoNum type="arabicPeriod"/>
-            </a:pPr>
-            <a:endParaRPr lang="en-US" dirty="0" smtClean="0">
-              <a:solidFill>
-                <a:schemeClr val="bg1"/>
-              </a:solidFill>
-            </a:endParaRPr>
-          </a:p>
-          <a:p>
-            <a:pPr fontAlgn="ctr"/>
-            <a:r>
-              <a:rPr lang="en-US" dirty="0" smtClean="0">
-                <a:solidFill>
-                  <a:schemeClr val="bg1"/>
-                </a:solidFill>
-              </a:rPr>
-              <a:t>In </a:t>
-            </a:r>
-            <a:r>
-              <a:rPr lang="en-US" dirty="0">
-                <a:solidFill>
-                  <a:schemeClr val="bg1"/>
-                </a:solidFill>
-              </a:rPr>
-              <a:t>both cases, the market value for residential/commercial properties in the same </a:t>
-            </a:r>
-            <a:r>
-              <a:rPr lang="en-US" dirty="0" smtClean="0">
-                <a:solidFill>
-                  <a:schemeClr val="bg1"/>
-                </a:solidFill>
-              </a:rPr>
-              <a:t>area, hand in hand with big industries </a:t>
-            </a:r>
-            <a:r>
-              <a:rPr lang="en-US" dirty="0">
-                <a:solidFill>
-                  <a:schemeClr val="bg1"/>
-                </a:solidFill>
-              </a:rPr>
-              <a:t>can act as an incentive or a barrier.</a:t>
-            </a:r>
-          </a:p>
-        </p:txBody>
-      </p:sp>
-    </p:spTree>
-    <p:extLst>
-      <p:ext uri="{BB962C8B-B14F-4D97-AF65-F5344CB8AC3E}">
-        <p14:creationId xmlns:p14="http://schemas.microsoft.com/office/powerpoint/2010/main" val="1631066055"/>
-      </p:ext>
-    </p:extLst>
-  </p:cSld>
-  <p:clrMapOvr>
-    <a:masterClrMapping/>
-  </p:clrMapOvr>
+  <p:timing>
+    <p:tnLst>
+      <p:par>
+        <p:cTn id="1" dur="indefinite" restart="never" nodeType="tmRoot"/>
+      </p:par>
+    </p:tnLst>
+  </p:timing>
 </p:sld>
 </file>
 
@@ -3774,13 +4845,1342 @@
       </p:grpSpPr>
       <p:sp>
         <p:nvSpPr>
-          <p:cNvPr id="8" name="Rectangle 7"/>
+          <p:cNvPr id="2" name="Title 1"/>
+          <p:cNvSpPr>
+            <a:spLocks noGrp="1"/>
+          </p:cNvSpPr>
+          <p:nvPr>
+            <p:ph type="title"/>
+          </p:nvPr>
+        </p:nvSpPr>
+        <p:spPr/>
+        <p:txBody>
+          <a:bodyPr>
+            <a:noAutofit/>
+          </a:bodyPr>
+          <a:lstStyle/>
+          <a:p>
+            <a:pPr algn="ctr"/>
+            <a:r>
+              <a:rPr lang="en-US" sz="3200" b="1" dirty="0">
+                <a:solidFill>
+                  <a:srgbClr val="FF0000"/>
+                </a:solidFill>
+              </a:rPr>
+              <a:t>Question:</a:t>
+            </a:r>
+            <a:r>
+              <a:rPr lang="en-US" sz="3200" dirty="0">
+                <a:solidFill>
+                  <a:srgbClr val="FF0000"/>
+                </a:solidFill>
+              </a:rPr>
+              <a:t/>
+            </a:r>
+            <a:br>
+              <a:rPr lang="en-US" sz="3200" dirty="0">
+                <a:solidFill>
+                  <a:srgbClr val="FF0000"/>
+                </a:solidFill>
+              </a:rPr>
+            </a:br>
+            <a:r>
+              <a:rPr lang="en-US" sz="3200" dirty="0">
+                <a:solidFill>
+                  <a:srgbClr val="FF0000"/>
+                </a:solidFill>
+              </a:rPr>
+              <a:t>What factor(s) contribute to the decrease in farm land </a:t>
+            </a:r>
+            <a:r>
+              <a:rPr lang="en-US" sz="3200" dirty="0" smtClean="0">
+                <a:solidFill>
+                  <a:srgbClr val="FF0000"/>
+                </a:solidFill>
+              </a:rPr>
+              <a:t>use?</a:t>
+            </a:r>
+            <a:r>
+              <a:rPr lang="en-US" sz="3200" dirty="0">
+                <a:solidFill>
+                  <a:srgbClr val="FF0000"/>
+                </a:solidFill>
+              </a:rPr>
+              <a:t/>
+            </a:r>
+            <a:br>
+              <a:rPr lang="en-US" sz="3200" dirty="0">
+                <a:solidFill>
+                  <a:srgbClr val="FF0000"/>
+                </a:solidFill>
+              </a:rPr>
+            </a:br>
+            <a:endParaRPr lang="en-US" sz="3200" dirty="0"/>
+          </a:p>
+        </p:txBody>
+      </p:sp>
+      <p:sp>
+        <p:nvSpPr>
+          <p:cNvPr id="4" name="Content Placeholder 3"/>
+          <p:cNvSpPr txBox="1">
+            <a:spLocks noGrp="1"/>
+          </p:cNvSpPr>
+          <p:nvPr>
+            <p:ph idx="1"/>
+          </p:nvPr>
+        </p:nvSpPr>
+        <p:spPr>
+          <a:xfrm>
+            <a:off x="838200" y="1825625"/>
+            <a:ext cx="10515600" cy="4321696"/>
+          </a:xfrm>
+          <a:prstGeom prst="rect">
+            <a:avLst/>
+          </a:prstGeom>
+          <a:noFill/>
+        </p:spPr>
+        <p:txBody>
+          <a:bodyPr wrap="square" rtlCol="0">
+            <a:spAutoFit/>
+          </a:bodyPr>
+          <a:lstStyle/>
+          <a:p>
+            <a:pPr marL="0" indent="0">
+              <a:buNone/>
+            </a:pPr>
+            <a:r>
+              <a:rPr lang="en-US" sz="2000" b="1" dirty="0" smtClean="0"/>
+              <a:t>Hypotheses</a:t>
+            </a:r>
+            <a:r>
+              <a:rPr lang="en-US" sz="2000" b="1" dirty="0"/>
+              <a:t>: </a:t>
+            </a:r>
+            <a:endParaRPr lang="en-US" sz="2000" dirty="0" smtClean="0"/>
+          </a:p>
+          <a:p>
+            <a:endParaRPr lang="en-US" sz="2000" dirty="0"/>
+          </a:p>
+          <a:p>
+            <a:r>
+              <a:rPr lang="en-US" sz="2000" dirty="0" smtClean="0"/>
+              <a:t>The </a:t>
+            </a:r>
+            <a:r>
+              <a:rPr lang="en-US" sz="2000" dirty="0"/>
+              <a:t>metrics that </a:t>
+            </a:r>
+            <a:r>
+              <a:rPr lang="en-US" sz="2000" dirty="0" smtClean="0"/>
+              <a:t>impact </a:t>
+            </a:r>
+            <a:r>
+              <a:rPr lang="en-US" sz="2000" dirty="0"/>
+              <a:t>the change in farmlands are believed to be or related to the following traits, and will therefore be put on test</a:t>
+            </a:r>
+            <a:r>
+              <a:rPr lang="en-US" sz="2000" dirty="0" smtClean="0"/>
+              <a:t>:</a:t>
+            </a:r>
+          </a:p>
+          <a:p>
+            <a:endParaRPr lang="en-US" sz="2000" dirty="0"/>
+          </a:p>
+          <a:p>
+            <a:pPr marL="342900" indent="-342900" fontAlgn="ctr">
+              <a:buFont typeface="+mj-lt"/>
+              <a:buAutoNum type="arabicPeriod"/>
+            </a:pPr>
+            <a:r>
+              <a:rPr lang="en-US" sz="2000" dirty="0"/>
+              <a:t>Farms that make </a:t>
+            </a:r>
+            <a:r>
+              <a:rPr lang="en-US" sz="2000" b="1" dirty="0"/>
+              <a:t>less dollar </a:t>
+            </a:r>
+            <a:r>
+              <a:rPr lang="en-US" sz="2000" dirty="0"/>
+              <a:t>amounts due to mismanagement and/or marketing bottlenecks will gradually receive more preference for changing land use.</a:t>
+            </a:r>
+          </a:p>
+          <a:p>
+            <a:pPr marL="342900" indent="-342900" fontAlgn="ctr">
+              <a:buFont typeface="+mj-lt"/>
+              <a:buAutoNum type="arabicPeriod"/>
+            </a:pPr>
+            <a:r>
+              <a:rPr lang="en-US" sz="2000" dirty="0"/>
+              <a:t>Farms that are </a:t>
+            </a:r>
+            <a:r>
+              <a:rPr lang="en-US" sz="2000" b="1" dirty="0"/>
+              <a:t>smaller in area </a:t>
+            </a:r>
+            <a:r>
+              <a:rPr lang="en-US" sz="2000" dirty="0"/>
+              <a:t>(</a:t>
+            </a:r>
+            <a:r>
+              <a:rPr lang="en-US" sz="2000" dirty="0" err="1"/>
+              <a:t>eg</a:t>
+            </a:r>
+            <a:r>
+              <a:rPr lang="en-US" sz="2000" dirty="0"/>
+              <a:t> after being split among next generation) will become less profitable, encouraging the land owner to consider changing land </a:t>
+            </a:r>
+            <a:r>
+              <a:rPr lang="en-US" sz="2000" dirty="0" smtClean="0"/>
+              <a:t>use</a:t>
+            </a:r>
+          </a:p>
+          <a:p>
+            <a:pPr marL="342900" indent="-342900" fontAlgn="ctr">
+              <a:buFont typeface="+mj-lt"/>
+              <a:buAutoNum type="arabicPeriod"/>
+            </a:pPr>
+            <a:endParaRPr lang="en-US" sz="2000" dirty="0" smtClean="0"/>
+          </a:p>
+          <a:p>
+            <a:pPr fontAlgn="ctr"/>
+            <a:r>
+              <a:rPr lang="en-US" sz="2000" dirty="0" smtClean="0"/>
+              <a:t>In </a:t>
+            </a:r>
+            <a:r>
+              <a:rPr lang="en-US" sz="2000" dirty="0"/>
+              <a:t>both cases, the market value for </a:t>
+            </a:r>
+            <a:r>
+              <a:rPr lang="en-US" sz="2000" b="1" dirty="0"/>
+              <a:t>residential/commercial properties </a:t>
+            </a:r>
+            <a:r>
+              <a:rPr lang="en-US" sz="2000" dirty="0"/>
+              <a:t>in the same </a:t>
+            </a:r>
+            <a:r>
+              <a:rPr lang="en-US" sz="2000" dirty="0" smtClean="0"/>
+              <a:t>area, hand in hand with </a:t>
+            </a:r>
+            <a:r>
+              <a:rPr lang="en-US" sz="2000" b="1" dirty="0" smtClean="0"/>
+              <a:t>big industries </a:t>
+            </a:r>
+            <a:r>
+              <a:rPr lang="en-US" sz="2000" dirty="0"/>
+              <a:t>can act as an incentive or a barrier.</a:t>
+            </a:r>
+          </a:p>
+        </p:txBody>
+      </p:sp>
+      <p:sp>
+        <p:nvSpPr>
+          <p:cNvPr id="6" name="Title 1"/>
+          <p:cNvSpPr txBox="1">
+            <a:spLocks/>
+          </p:cNvSpPr>
+          <p:nvPr/>
+        </p:nvSpPr>
+        <p:spPr>
+          <a:xfrm>
+            <a:off x="120894" y="0"/>
+            <a:ext cx="8921261" cy="371475"/>
+          </a:xfrm>
+          <a:prstGeom prst="rect">
+            <a:avLst/>
+          </a:prstGeom>
+        </p:spPr>
+        <p:txBody>
+          <a:bodyPr vert="horz" lIns="91440" tIns="45720" rIns="91440" bIns="45720" rtlCol="0" anchor="ctr">
+            <a:noAutofit/>
+          </a:bodyPr>
+          <a:lstStyle>
+            <a:lvl1pPr algn="l" defTabSz="914400" rtl="0" eaLnBrk="1" latinLnBrk="0" hangingPunct="1">
+              <a:lnSpc>
+                <a:spcPct val="90000"/>
+              </a:lnSpc>
+              <a:spcBef>
+                <a:spcPct val="0"/>
+              </a:spcBef>
+              <a:buNone/>
+              <a:defRPr sz="4400" kern="1200">
+                <a:solidFill>
+                  <a:schemeClr val="tx1"/>
+                </a:solidFill>
+                <a:latin typeface="+mj-lt"/>
+                <a:ea typeface="+mj-ea"/>
+                <a:cs typeface="+mj-cs"/>
+              </a:defRPr>
+            </a:lvl1pPr>
+          </a:lstStyle>
+          <a:p>
+            <a:r>
+              <a:rPr lang="en-US" sz="2400" b="1" smtClean="0">
+                <a:solidFill>
+                  <a:schemeClr val="bg1">
+                    <a:lumMod val="75000"/>
+                  </a:schemeClr>
+                </a:solidFill>
+              </a:rPr>
+              <a:t>Land Use change in Tennessee </a:t>
+            </a:r>
+            <a:r>
+              <a:rPr lang="mr-IN" sz="2400" b="1" smtClean="0">
+                <a:solidFill>
+                  <a:schemeClr val="bg1">
+                    <a:lumMod val="75000"/>
+                  </a:schemeClr>
+                </a:solidFill>
+              </a:rPr>
+              <a:t>–</a:t>
+            </a:r>
+            <a:r>
+              <a:rPr lang="en-US" sz="2400" b="1" smtClean="0">
+                <a:solidFill>
+                  <a:schemeClr val="bg1">
+                    <a:lumMod val="75000"/>
+                  </a:schemeClr>
+                </a:solidFill>
+              </a:rPr>
+              <a:t> Massih Forootan</a:t>
+            </a:r>
+            <a:endParaRPr lang="en-US" sz="2400" b="1" dirty="0">
+              <a:solidFill>
+                <a:schemeClr val="bg1">
+                  <a:lumMod val="75000"/>
+                </a:schemeClr>
+              </a:solidFill>
+            </a:endParaRPr>
+          </a:p>
+        </p:txBody>
+      </p:sp>
+    </p:spTree>
+    <p:extLst>
+      <p:ext uri="{BB962C8B-B14F-4D97-AF65-F5344CB8AC3E}">
+        <p14:creationId xmlns:p14="http://schemas.microsoft.com/office/powerpoint/2010/main" val="1290290919"/>
+      </p:ext>
+    </p:extLst>
+  </p:cSld>
+  <p:clrMapOvr>
+    <a:masterClrMapping/>
+  </p:clrMapOvr>
+  <p:timing>
+    <p:tnLst>
+      <p:par>
+        <p:cTn id="1" dur="indefinite" restart="never" nodeType="tmRoot"/>
+      </p:par>
+    </p:tnLst>
+  </p:timing>
+</p:sld>
+</file>
+
+<file path=ppt/slides/slide4.xml><?xml version="1.0" encoding="utf-8"?>
+<p:sld xmlns:a="http://schemas.openxmlformats.org/drawingml/2006/main" xmlns:r="http://schemas.openxmlformats.org/officeDocument/2006/relationships" xmlns:p="http://schemas.openxmlformats.org/presentationml/2006/main">
+  <p:cSld>
+    <p:spTree>
+      <p:nvGrpSpPr>
+        <p:cNvPr id="1" name=""/>
+        <p:cNvGrpSpPr/>
+        <p:nvPr/>
+      </p:nvGrpSpPr>
+      <p:grpSpPr>
+        <a:xfrm>
+          <a:off x="0" y="0"/>
+          <a:ext cx="0" cy="0"/>
+          <a:chOff x="0" y="0"/>
+          <a:chExt cx="0" cy="0"/>
+        </a:xfrm>
+      </p:grpSpPr>
+      <p:sp>
+        <p:nvSpPr>
+          <p:cNvPr id="3" name="Content Placeholder 2"/>
+          <p:cNvSpPr>
+            <a:spLocks noGrp="1"/>
+          </p:cNvSpPr>
+          <p:nvPr>
+            <p:ph idx="1"/>
+          </p:nvPr>
+        </p:nvSpPr>
+        <p:spPr>
+          <a:xfrm>
+            <a:off x="795337" y="868363"/>
+            <a:ext cx="10515600" cy="4351338"/>
+          </a:xfrm>
+        </p:spPr>
+        <p:txBody>
+          <a:bodyPr>
+            <a:noAutofit/>
+          </a:bodyPr>
+          <a:lstStyle/>
+          <a:p>
+            <a:pPr marL="0" indent="0">
+              <a:buNone/>
+            </a:pPr>
+            <a:r>
+              <a:rPr lang="en-US" sz="2400" b="1" dirty="0" smtClean="0"/>
+              <a:t>Workflow:</a:t>
+            </a:r>
+          </a:p>
+          <a:p>
+            <a:pPr marL="0" indent="0">
+              <a:buNone/>
+            </a:pPr>
+            <a:r>
+              <a:rPr lang="en-US" sz="2400" b="1" dirty="0" smtClean="0"/>
+              <a:t>Data Resources:</a:t>
+            </a:r>
+            <a:endParaRPr lang="en-US" sz="2400" b="1" dirty="0"/>
+          </a:p>
+          <a:p>
+            <a:pPr marL="457200" lvl="1" indent="0">
+              <a:buNone/>
+            </a:pPr>
+            <a:r>
+              <a:rPr lang="en-US" dirty="0"/>
+              <a:t>Some data was collected from PDF files available online, using </a:t>
+            </a:r>
+            <a:r>
+              <a:rPr lang="en-US" b="1" dirty="0">
+                <a:hlinkClick r:id="rId2"/>
+              </a:rPr>
+              <a:t>Tabula Software</a:t>
+            </a:r>
+            <a:r>
+              <a:rPr lang="en-US" dirty="0"/>
+              <a:t>.</a:t>
+            </a:r>
+          </a:p>
+          <a:p>
+            <a:pPr marL="457200" lvl="1" indent="0">
+              <a:buNone/>
+            </a:pPr>
+            <a:r>
+              <a:rPr lang="en-US" sz="2000" b="1" dirty="0" smtClean="0"/>
+              <a:t>Data </a:t>
+            </a:r>
+            <a:r>
+              <a:rPr lang="en-US" sz="2000" b="1" dirty="0"/>
+              <a:t>for agricultural land use and product values:</a:t>
+            </a:r>
+          </a:p>
+          <a:p>
+            <a:pPr marL="914400" lvl="2" indent="0">
+              <a:buNone/>
+            </a:pPr>
+            <a:r>
+              <a:rPr lang="en-US" dirty="0"/>
+              <a:t>Collected from USDA </a:t>
+            </a:r>
+            <a:r>
+              <a:rPr lang="en-US" dirty="0" err="1"/>
+              <a:t>Cencus</a:t>
+            </a:r>
+            <a:r>
+              <a:rPr lang="en-US" dirty="0"/>
+              <a:t> for Agriculture </a:t>
+            </a:r>
+            <a:r>
+              <a:rPr lang="en-US" dirty="0">
+                <a:hlinkClick r:id="rId3"/>
+              </a:rPr>
+              <a:t>2012</a:t>
+            </a:r>
+            <a:r>
+              <a:rPr lang="en-US" dirty="0"/>
+              <a:t> and </a:t>
+            </a:r>
+            <a:r>
+              <a:rPr lang="en-US" dirty="0">
+                <a:hlinkClick r:id="rId4"/>
+              </a:rPr>
+              <a:t>2007</a:t>
+            </a:r>
+            <a:endParaRPr lang="en-US" dirty="0"/>
+          </a:p>
+          <a:p>
+            <a:pPr marL="457200" lvl="1" indent="0">
+              <a:buNone/>
+            </a:pPr>
+            <a:r>
+              <a:rPr lang="en-US" sz="2000" b="1" dirty="0" smtClean="0"/>
+              <a:t>Data </a:t>
+            </a:r>
+            <a:r>
+              <a:rPr lang="en-US" sz="2000" b="1" dirty="0"/>
+              <a:t>for urbanization and population metrics</a:t>
+            </a:r>
+          </a:p>
+          <a:p>
+            <a:pPr marL="914400" lvl="2" indent="0">
+              <a:buNone/>
+            </a:pPr>
+            <a:r>
+              <a:rPr lang="en-US" dirty="0"/>
+              <a:t>Collected</a:t>
+            </a:r>
+            <a:r>
+              <a:rPr lang="en-US" dirty="0"/>
+              <a:t> from </a:t>
+            </a:r>
+            <a:r>
+              <a:rPr lang="en-US" dirty="0">
+                <a:hlinkClick r:id="rId5"/>
+              </a:rPr>
+              <a:t>Tennessee Census for Urbanization and Housing</a:t>
+            </a:r>
+            <a:endParaRPr lang="en-US" dirty="0"/>
+          </a:p>
+          <a:p>
+            <a:pPr marL="457200" lvl="1" indent="0">
+              <a:buNone/>
+            </a:pPr>
+            <a:r>
+              <a:rPr lang="en-US" sz="2000" b="1" dirty="0" smtClean="0"/>
+              <a:t>Data </a:t>
+            </a:r>
+            <a:r>
+              <a:rPr lang="en-US" sz="2000" b="1" dirty="0"/>
+              <a:t>for home sales and prices</a:t>
+            </a:r>
+          </a:p>
+          <a:p>
+            <a:pPr marL="914400" lvl="2" indent="0">
+              <a:buNone/>
+            </a:pPr>
+            <a:r>
+              <a:rPr lang="en-US" dirty="0"/>
+              <a:t>Collected</a:t>
+            </a:r>
+            <a:r>
+              <a:rPr lang="en-US" dirty="0"/>
+              <a:t> from </a:t>
+            </a:r>
+            <a:r>
+              <a:rPr lang="en-US" dirty="0">
+                <a:hlinkClick r:id="rId6"/>
+              </a:rPr>
+              <a:t>Tennessee Home Development Agency</a:t>
+            </a:r>
+            <a:endParaRPr lang="en-US" dirty="0"/>
+          </a:p>
+          <a:p>
+            <a:pPr marL="457200" lvl="1" indent="0">
+              <a:buNone/>
+            </a:pPr>
+            <a:r>
+              <a:rPr lang="en-US" sz="2000" b="1" dirty="0" smtClean="0"/>
+              <a:t>Data </a:t>
+            </a:r>
+            <a:r>
+              <a:rPr lang="en-US" sz="2000" b="1" dirty="0"/>
+              <a:t>for location of big industries headquartered in Tennessee</a:t>
+            </a:r>
+          </a:p>
+          <a:p>
+            <a:pPr marL="914400" lvl="2" indent="0">
+              <a:buNone/>
+            </a:pPr>
+            <a:r>
+              <a:rPr lang="en-US" dirty="0"/>
+              <a:t>Collected</a:t>
+            </a:r>
+            <a:r>
+              <a:rPr lang="en-US" dirty="0"/>
+              <a:t> from </a:t>
+            </a:r>
+            <a:r>
+              <a:rPr lang="en-US" dirty="0">
+                <a:hlinkClick r:id="rId7"/>
+              </a:rPr>
+              <a:t>Ranker</a:t>
+            </a:r>
+            <a:endParaRPr lang="en-US" dirty="0"/>
+          </a:p>
+          <a:p>
+            <a:endParaRPr lang="en-US" sz="2400" dirty="0"/>
+          </a:p>
+        </p:txBody>
+      </p:sp>
+      <p:sp>
+        <p:nvSpPr>
+          <p:cNvPr id="5" name="TextBox 4"/>
+          <p:cNvSpPr txBox="1"/>
+          <p:nvPr/>
+        </p:nvSpPr>
+        <p:spPr>
+          <a:xfrm>
+            <a:off x="4581524" y="5716589"/>
+            <a:ext cx="2811411" cy="584775"/>
+          </a:xfrm>
+          <a:prstGeom prst="rect">
+            <a:avLst/>
+          </a:prstGeom>
+          <a:noFill/>
+        </p:spPr>
+        <p:txBody>
+          <a:bodyPr wrap="none" rtlCol="0">
+            <a:spAutoFit/>
+          </a:bodyPr>
+          <a:lstStyle/>
+          <a:p>
+            <a:r>
+              <a:rPr lang="en-US" sz="3200" b="1" dirty="0" err="1" smtClean="0">
+                <a:solidFill>
+                  <a:schemeClr val="accent1"/>
+                </a:solidFill>
+              </a:rPr>
+              <a:t>cap_read.ipynb</a:t>
+            </a:r>
+            <a:endParaRPr lang="en-US" sz="3200" b="1" dirty="0">
+              <a:solidFill>
+                <a:schemeClr val="accent1"/>
+              </a:solidFill>
+            </a:endParaRPr>
+          </a:p>
+        </p:txBody>
+      </p:sp>
+      <p:sp>
+        <p:nvSpPr>
+          <p:cNvPr id="6" name="Title 1"/>
+          <p:cNvSpPr txBox="1">
+            <a:spLocks/>
+          </p:cNvSpPr>
+          <p:nvPr/>
+        </p:nvSpPr>
+        <p:spPr>
+          <a:xfrm>
+            <a:off x="120894" y="0"/>
+            <a:ext cx="8921261" cy="371475"/>
+          </a:xfrm>
+          <a:prstGeom prst="rect">
+            <a:avLst/>
+          </a:prstGeom>
+        </p:spPr>
+        <p:txBody>
+          <a:bodyPr vert="horz" lIns="91440" tIns="45720" rIns="91440" bIns="45720" rtlCol="0" anchor="ctr">
+            <a:noAutofit/>
+          </a:bodyPr>
+          <a:lstStyle>
+            <a:lvl1pPr algn="l" defTabSz="914400" rtl="0" eaLnBrk="1" latinLnBrk="0" hangingPunct="1">
+              <a:lnSpc>
+                <a:spcPct val="90000"/>
+              </a:lnSpc>
+              <a:spcBef>
+                <a:spcPct val="0"/>
+              </a:spcBef>
+              <a:buNone/>
+              <a:defRPr sz="4400" kern="1200">
+                <a:solidFill>
+                  <a:schemeClr val="tx1"/>
+                </a:solidFill>
+                <a:latin typeface="+mj-lt"/>
+                <a:ea typeface="+mj-ea"/>
+                <a:cs typeface="+mj-cs"/>
+              </a:defRPr>
+            </a:lvl1pPr>
+          </a:lstStyle>
+          <a:p>
+            <a:r>
+              <a:rPr lang="en-US" sz="2400" b="1" smtClean="0">
+                <a:solidFill>
+                  <a:schemeClr val="bg1">
+                    <a:lumMod val="75000"/>
+                  </a:schemeClr>
+                </a:solidFill>
+              </a:rPr>
+              <a:t>Land Use change in Tennessee </a:t>
+            </a:r>
+            <a:r>
+              <a:rPr lang="mr-IN" sz="2400" b="1" smtClean="0">
+                <a:solidFill>
+                  <a:schemeClr val="bg1">
+                    <a:lumMod val="75000"/>
+                  </a:schemeClr>
+                </a:solidFill>
+              </a:rPr>
+              <a:t>–</a:t>
+            </a:r>
+            <a:r>
+              <a:rPr lang="en-US" sz="2400" b="1" smtClean="0">
+                <a:solidFill>
+                  <a:schemeClr val="bg1">
+                    <a:lumMod val="75000"/>
+                  </a:schemeClr>
+                </a:solidFill>
+              </a:rPr>
+              <a:t> Massih Forootan</a:t>
+            </a:r>
+            <a:endParaRPr lang="en-US" sz="2400" b="1" dirty="0">
+              <a:solidFill>
+                <a:schemeClr val="bg1">
+                  <a:lumMod val="75000"/>
+                </a:schemeClr>
+              </a:solidFill>
+            </a:endParaRPr>
+          </a:p>
+        </p:txBody>
+      </p:sp>
+    </p:spTree>
+    <p:extLst>
+      <p:ext uri="{BB962C8B-B14F-4D97-AF65-F5344CB8AC3E}">
+        <p14:creationId xmlns:p14="http://schemas.microsoft.com/office/powerpoint/2010/main" val="2055881243"/>
+      </p:ext>
+    </p:extLst>
+  </p:cSld>
+  <p:clrMapOvr>
+    <a:masterClrMapping/>
+  </p:clrMapOvr>
+  <p:timing>
+    <p:tnLst>
+      <p:par>
+        <p:cTn id="1" dur="indefinite" restart="never" nodeType="tmRoot"/>
+      </p:par>
+    </p:tnLst>
+  </p:timing>
+</p:sld>
+</file>
+
+<file path=ppt/slides/slide5.xml><?xml version="1.0" encoding="utf-8"?>
+<p:sld xmlns:a="http://schemas.openxmlformats.org/drawingml/2006/main" xmlns:r="http://schemas.openxmlformats.org/officeDocument/2006/relationships" xmlns:p="http://schemas.openxmlformats.org/presentationml/2006/main">
+  <p:cSld>
+    <p:spTree>
+      <p:nvGrpSpPr>
+        <p:cNvPr id="1" name=""/>
+        <p:cNvGrpSpPr/>
+        <p:nvPr/>
+      </p:nvGrpSpPr>
+      <p:grpSpPr>
+        <a:xfrm>
+          <a:off x="0" y="0"/>
+          <a:ext cx="0" cy="0"/>
+          <a:chOff x="0" y="0"/>
+          <a:chExt cx="0" cy="0"/>
+        </a:xfrm>
+      </p:grpSpPr>
+      <p:sp>
+        <p:nvSpPr>
+          <p:cNvPr id="3" name="Content Placeholder 2"/>
+          <p:cNvSpPr>
+            <a:spLocks noGrp="1"/>
+          </p:cNvSpPr>
+          <p:nvPr>
+            <p:ph idx="1"/>
+          </p:nvPr>
+        </p:nvSpPr>
+        <p:spPr>
+          <a:xfrm>
+            <a:off x="795337" y="868362"/>
+            <a:ext cx="10515600" cy="4746625"/>
+          </a:xfrm>
+        </p:spPr>
+        <p:txBody>
+          <a:bodyPr>
+            <a:noAutofit/>
+          </a:bodyPr>
+          <a:lstStyle/>
+          <a:p>
+            <a:pPr marL="0" indent="0">
+              <a:buNone/>
+            </a:pPr>
+            <a:r>
+              <a:rPr lang="en-US" sz="2400" b="1" dirty="0" smtClean="0"/>
+              <a:t>Workflow:</a:t>
+            </a:r>
+          </a:p>
+          <a:p>
+            <a:pPr marL="0" indent="0">
+              <a:buNone/>
+            </a:pPr>
+            <a:endParaRPr lang="en-US" sz="2400" b="1" dirty="0"/>
+          </a:p>
+          <a:p>
+            <a:pPr marL="457200" indent="-457200">
+              <a:buFont typeface="+mj-lt"/>
+              <a:buAutoNum type="arabicPeriod"/>
+            </a:pPr>
+            <a:r>
+              <a:rPr lang="en-US" sz="2400" b="1" dirty="0" smtClean="0"/>
+              <a:t>Read </a:t>
+            </a:r>
+            <a:r>
+              <a:rPr lang="en-US" sz="2400" b="1" dirty="0"/>
+              <a:t>the </a:t>
+            </a:r>
+            <a:r>
+              <a:rPr lang="en-US" sz="2400" b="1" dirty="0" smtClean="0"/>
+              <a:t>data </a:t>
+            </a:r>
+            <a:r>
+              <a:rPr lang="en-US" sz="2400" dirty="0" smtClean="0"/>
+              <a:t>PDF / XLS / CSV files converted into data frames and reorganized.</a:t>
+            </a:r>
+          </a:p>
+          <a:p>
+            <a:pPr marL="457200" indent="-457200">
+              <a:buFont typeface="+mj-lt"/>
+              <a:buAutoNum type="arabicPeriod"/>
+            </a:pPr>
+            <a:endParaRPr lang="en-US" sz="2400" dirty="0" smtClean="0"/>
+          </a:p>
+          <a:p>
+            <a:pPr marL="457200" indent="-457200">
+              <a:buFont typeface="+mj-lt"/>
+              <a:buAutoNum type="arabicPeriod"/>
+            </a:pPr>
+            <a:r>
+              <a:rPr lang="en-US" sz="2400" b="1" dirty="0" smtClean="0"/>
+              <a:t>Clean the data: </a:t>
+            </a:r>
+            <a:r>
+              <a:rPr lang="en-US" sz="2400" dirty="0"/>
+              <a:t>All the </a:t>
+            </a:r>
+            <a:r>
+              <a:rPr lang="en-US" sz="2400" dirty="0" err="1" smtClean="0"/>
+              <a:t>dataframes</a:t>
+            </a:r>
+            <a:r>
+              <a:rPr lang="en-US" sz="2400" dirty="0" smtClean="0"/>
+              <a:t> </a:t>
+            </a:r>
+            <a:r>
+              <a:rPr lang="en-US" sz="2400" dirty="0"/>
+              <a:t>created </a:t>
+            </a:r>
+            <a:r>
+              <a:rPr lang="en-US" sz="2400" dirty="0" smtClean="0"/>
+              <a:t>are </a:t>
+            </a:r>
+            <a:r>
+              <a:rPr lang="en-US" sz="2400" dirty="0"/>
+              <a:t>called and </a:t>
+            </a:r>
+            <a:r>
+              <a:rPr lang="en-US" sz="2400" dirty="0" smtClean="0"/>
+              <a:t>merged.</a:t>
+            </a:r>
+          </a:p>
+          <a:p>
+            <a:pPr marL="457200" indent="-457200">
+              <a:buFont typeface="+mj-lt"/>
+              <a:buAutoNum type="arabicPeriod"/>
+            </a:pPr>
+            <a:endParaRPr lang="en-US" sz="2400" b="1" dirty="0"/>
+          </a:p>
+          <a:p>
+            <a:pPr marL="457200" indent="-457200">
+              <a:buFont typeface="+mj-lt"/>
+              <a:buAutoNum type="arabicPeriod"/>
+            </a:pPr>
+            <a:r>
+              <a:rPr lang="en-US" sz="2400" b="1" dirty="0" smtClean="0"/>
+              <a:t>Dimension Reduction:</a:t>
+            </a:r>
+            <a:r>
+              <a:rPr lang="en-US" sz="2400" dirty="0" smtClean="0"/>
+              <a:t> Principle component analysis</a:t>
+            </a:r>
+          </a:p>
+          <a:p>
+            <a:pPr marL="457200" indent="-457200">
+              <a:buFont typeface="+mj-lt"/>
+              <a:buAutoNum type="arabicPeriod"/>
+            </a:pPr>
+            <a:endParaRPr lang="en-US" sz="2400" dirty="0"/>
+          </a:p>
+          <a:p>
+            <a:pPr marL="457200" indent="-457200">
+              <a:buFont typeface="+mj-lt"/>
+              <a:buAutoNum type="arabicPeriod"/>
+            </a:pPr>
+            <a:r>
+              <a:rPr lang="en-US" sz="2400" b="1" dirty="0" smtClean="0"/>
+              <a:t>Clustering:</a:t>
+            </a:r>
+            <a:r>
+              <a:rPr lang="en-US" sz="2400" dirty="0" smtClean="0"/>
+              <a:t> Using K-mean</a:t>
+            </a:r>
+          </a:p>
+          <a:p>
+            <a:pPr marL="457200" lvl="1" indent="-457200">
+              <a:spcBef>
+                <a:spcPts val="1000"/>
+              </a:spcBef>
+              <a:buFont typeface="Arial"/>
+              <a:buAutoNum type="arabicPeriod"/>
+            </a:pPr>
+            <a:endParaRPr lang="en-US" dirty="0"/>
+          </a:p>
+          <a:p>
+            <a:pPr marL="457200" lvl="1" indent="-457200">
+              <a:spcBef>
+                <a:spcPts val="1000"/>
+              </a:spcBef>
+              <a:buFont typeface="Arial"/>
+              <a:buAutoNum type="arabicPeriod"/>
+            </a:pPr>
+            <a:endParaRPr lang="en-US" dirty="0"/>
+          </a:p>
+          <a:p>
+            <a:pPr marL="457200" indent="-457200">
+              <a:buAutoNum type="arabicPeriod"/>
+            </a:pPr>
+            <a:endParaRPr lang="en-US" sz="2400" b="1" dirty="0"/>
+          </a:p>
+        </p:txBody>
+      </p:sp>
+      <p:sp>
+        <p:nvSpPr>
+          <p:cNvPr id="14" name="Title 1"/>
+          <p:cNvSpPr txBox="1">
+            <a:spLocks/>
+          </p:cNvSpPr>
+          <p:nvPr/>
+        </p:nvSpPr>
+        <p:spPr>
+          <a:xfrm>
+            <a:off x="120894" y="0"/>
+            <a:ext cx="8921261" cy="371475"/>
+          </a:xfrm>
+          <a:prstGeom prst="rect">
+            <a:avLst/>
+          </a:prstGeom>
+        </p:spPr>
+        <p:txBody>
+          <a:bodyPr vert="horz" lIns="91440" tIns="45720" rIns="91440" bIns="45720" rtlCol="0" anchor="ctr">
+            <a:noAutofit/>
+          </a:bodyPr>
+          <a:lstStyle>
+            <a:lvl1pPr algn="l" defTabSz="914400" rtl="0" eaLnBrk="1" latinLnBrk="0" hangingPunct="1">
+              <a:lnSpc>
+                <a:spcPct val="90000"/>
+              </a:lnSpc>
+              <a:spcBef>
+                <a:spcPct val="0"/>
+              </a:spcBef>
+              <a:buNone/>
+              <a:defRPr sz="4400" kern="1200">
+                <a:solidFill>
+                  <a:schemeClr val="tx1"/>
+                </a:solidFill>
+                <a:latin typeface="+mj-lt"/>
+                <a:ea typeface="+mj-ea"/>
+                <a:cs typeface="+mj-cs"/>
+              </a:defRPr>
+            </a:lvl1pPr>
+          </a:lstStyle>
+          <a:p>
+            <a:r>
+              <a:rPr lang="en-US" sz="2400" b="1" smtClean="0">
+                <a:solidFill>
+                  <a:schemeClr val="bg1">
+                    <a:lumMod val="75000"/>
+                  </a:schemeClr>
+                </a:solidFill>
+              </a:rPr>
+              <a:t>Land Use change in Tennessee </a:t>
+            </a:r>
+            <a:r>
+              <a:rPr lang="mr-IN" sz="2400" b="1" smtClean="0">
+                <a:solidFill>
+                  <a:schemeClr val="bg1">
+                    <a:lumMod val="75000"/>
+                  </a:schemeClr>
+                </a:solidFill>
+              </a:rPr>
+              <a:t>–</a:t>
+            </a:r>
+            <a:r>
+              <a:rPr lang="en-US" sz="2400" b="1" smtClean="0">
+                <a:solidFill>
+                  <a:schemeClr val="bg1">
+                    <a:lumMod val="75000"/>
+                  </a:schemeClr>
+                </a:solidFill>
+              </a:rPr>
+              <a:t> Massih Forootan</a:t>
+            </a:r>
+            <a:endParaRPr lang="en-US" sz="2400" b="1" dirty="0">
+              <a:solidFill>
+                <a:schemeClr val="bg1">
+                  <a:lumMod val="75000"/>
+                </a:schemeClr>
+              </a:solidFill>
+            </a:endParaRPr>
+          </a:p>
+        </p:txBody>
+      </p:sp>
+    </p:spTree>
+    <p:extLst>
+      <p:ext uri="{BB962C8B-B14F-4D97-AF65-F5344CB8AC3E}">
+        <p14:creationId xmlns:p14="http://schemas.microsoft.com/office/powerpoint/2010/main" val="209646539"/>
+      </p:ext>
+    </p:extLst>
+  </p:cSld>
+  <p:clrMapOvr>
+    <a:masterClrMapping/>
+  </p:clrMapOvr>
+  <p:timing>
+    <p:tnLst>
+      <p:par>
+        <p:cTn id="1" dur="indefinite" restart="never" nodeType="tmRoot"/>
+      </p:par>
+    </p:tnLst>
+  </p:timing>
+</p:sld>
+</file>
+
+<file path=ppt/slides/slide6.xml><?xml version="1.0" encoding="utf-8"?>
+<p:sld xmlns:a="http://schemas.openxmlformats.org/drawingml/2006/main" xmlns:r="http://schemas.openxmlformats.org/officeDocument/2006/relationships" xmlns:p="http://schemas.openxmlformats.org/presentationml/2006/main">
+  <p:cSld>
+    <p:spTree>
+      <p:nvGrpSpPr>
+        <p:cNvPr id="1" name=""/>
+        <p:cNvGrpSpPr/>
+        <p:nvPr/>
+      </p:nvGrpSpPr>
+      <p:grpSpPr>
+        <a:xfrm>
+          <a:off x="0" y="0"/>
+          <a:ext cx="0" cy="0"/>
+          <a:chOff x="0" y="0"/>
+          <a:chExt cx="0" cy="0"/>
+        </a:xfrm>
+      </p:grpSpPr>
+      <p:sp>
+        <p:nvSpPr>
+          <p:cNvPr id="3" name="Content Placeholder 2"/>
+          <p:cNvSpPr>
+            <a:spLocks noGrp="1"/>
+          </p:cNvSpPr>
+          <p:nvPr>
+            <p:ph idx="1"/>
+          </p:nvPr>
+        </p:nvSpPr>
+        <p:spPr>
+          <a:xfrm>
+            <a:off x="838200" y="3640138"/>
+            <a:ext cx="10515600" cy="3003550"/>
+          </a:xfrm>
+        </p:spPr>
+        <p:txBody>
+          <a:bodyPr/>
+          <a:lstStyle/>
+          <a:p>
+            <a:pPr marL="0" indent="0">
+              <a:buNone/>
+            </a:pPr>
+            <a:r>
+              <a:rPr lang="en-US" b="1" u="sng" dirty="0" smtClean="0"/>
+              <a:t>Conclusion</a:t>
+            </a:r>
+          </a:p>
+          <a:p>
+            <a:r>
+              <a:rPr lang="en-US" dirty="0" smtClean="0"/>
+              <a:t>The main outlier counties are those that accommodate big cities, and the west TN area</a:t>
+            </a:r>
+          </a:p>
+          <a:p>
+            <a:endParaRPr lang="en-US" dirty="0"/>
+          </a:p>
+          <a:p>
+            <a:r>
+              <a:rPr lang="en-US" dirty="0" smtClean="0"/>
+              <a:t>It appears that availability of </a:t>
+            </a:r>
+            <a:r>
+              <a:rPr lang="en-US" b="1" dirty="0" smtClean="0"/>
+              <a:t>small farm size </a:t>
+            </a:r>
+            <a:r>
+              <a:rPr lang="en-US" dirty="0" smtClean="0"/>
+              <a:t>acts as an incentive / symptom for urbanization</a:t>
+            </a:r>
+            <a:endParaRPr lang="en-US" dirty="0"/>
+          </a:p>
+        </p:txBody>
+      </p:sp>
+      <p:sp>
+        <p:nvSpPr>
+          <p:cNvPr id="4" name="TextBox 3"/>
+          <p:cNvSpPr txBox="1"/>
+          <p:nvPr/>
+        </p:nvSpPr>
+        <p:spPr>
+          <a:xfrm>
+            <a:off x="838201" y="342901"/>
+            <a:ext cx="10515600" cy="3108543"/>
+          </a:xfrm>
+          <a:prstGeom prst="rect">
+            <a:avLst/>
+          </a:prstGeom>
+          <a:noFill/>
+        </p:spPr>
+        <p:txBody>
+          <a:bodyPr wrap="square" rtlCol="0">
+            <a:spAutoFit/>
+          </a:bodyPr>
+          <a:lstStyle/>
+          <a:p>
+            <a:r>
+              <a:rPr lang="en-US" sz="2800" b="1" u="sng" dirty="0" smtClean="0"/>
+              <a:t>Results</a:t>
+            </a:r>
+          </a:p>
+          <a:p>
+            <a:endParaRPr lang="en-US" sz="2800" b="1" u="sng" dirty="0" smtClean="0"/>
+          </a:p>
+          <a:p>
+            <a:pPr marL="457200" indent="-457200">
+              <a:buFont typeface="Arial" charset="0"/>
+              <a:buChar char="•"/>
+            </a:pPr>
+            <a:r>
+              <a:rPr lang="en-US" sz="2800" dirty="0" smtClean="0"/>
+              <a:t>Three significant principal components identified farm specs, population/housing, and cropland specs. </a:t>
+            </a:r>
+          </a:p>
+          <a:p>
+            <a:pPr marL="457200" indent="-457200">
+              <a:buFont typeface="Arial" charset="0"/>
+              <a:buChar char="•"/>
+            </a:pPr>
+            <a:endParaRPr lang="en-US" sz="2800" dirty="0"/>
+          </a:p>
+          <a:p>
+            <a:pPr marL="457200" indent="-457200">
+              <a:buFont typeface="Arial" charset="0"/>
+              <a:buChar char="•"/>
+            </a:pPr>
+            <a:r>
+              <a:rPr lang="en-US" sz="2800" dirty="0" smtClean="0"/>
+              <a:t>Some analyzed features showed correlation with geographical coordination.</a:t>
+            </a:r>
+            <a:endParaRPr lang="en-US" sz="2800" dirty="0"/>
+          </a:p>
+        </p:txBody>
+      </p:sp>
+      <p:sp>
+        <p:nvSpPr>
+          <p:cNvPr id="5" name="Title 1"/>
+          <p:cNvSpPr txBox="1">
+            <a:spLocks/>
+          </p:cNvSpPr>
+          <p:nvPr/>
+        </p:nvSpPr>
+        <p:spPr>
+          <a:xfrm>
+            <a:off x="120894" y="0"/>
+            <a:ext cx="8921261" cy="371475"/>
+          </a:xfrm>
+          <a:prstGeom prst="rect">
+            <a:avLst/>
+          </a:prstGeom>
+        </p:spPr>
+        <p:txBody>
+          <a:bodyPr vert="horz" lIns="91440" tIns="45720" rIns="91440" bIns="45720" rtlCol="0" anchor="ctr">
+            <a:noAutofit/>
+          </a:bodyPr>
+          <a:lstStyle>
+            <a:lvl1pPr algn="l" defTabSz="914400" rtl="0" eaLnBrk="1" latinLnBrk="0" hangingPunct="1">
+              <a:lnSpc>
+                <a:spcPct val="90000"/>
+              </a:lnSpc>
+              <a:spcBef>
+                <a:spcPct val="0"/>
+              </a:spcBef>
+              <a:buNone/>
+              <a:defRPr sz="4400" kern="1200">
+                <a:solidFill>
+                  <a:schemeClr val="tx1"/>
+                </a:solidFill>
+                <a:latin typeface="+mj-lt"/>
+                <a:ea typeface="+mj-ea"/>
+                <a:cs typeface="+mj-cs"/>
+              </a:defRPr>
+            </a:lvl1pPr>
+          </a:lstStyle>
+          <a:p>
+            <a:r>
+              <a:rPr lang="en-US" sz="2400" b="1" smtClean="0">
+                <a:solidFill>
+                  <a:schemeClr val="bg1">
+                    <a:lumMod val="75000"/>
+                  </a:schemeClr>
+                </a:solidFill>
+              </a:rPr>
+              <a:t>Land Use change in Tennessee </a:t>
+            </a:r>
+            <a:r>
+              <a:rPr lang="mr-IN" sz="2400" b="1" smtClean="0">
+                <a:solidFill>
+                  <a:schemeClr val="bg1">
+                    <a:lumMod val="75000"/>
+                  </a:schemeClr>
+                </a:solidFill>
+              </a:rPr>
+              <a:t>–</a:t>
+            </a:r>
+            <a:r>
+              <a:rPr lang="en-US" sz="2400" b="1" smtClean="0">
+                <a:solidFill>
+                  <a:schemeClr val="bg1">
+                    <a:lumMod val="75000"/>
+                  </a:schemeClr>
+                </a:solidFill>
+              </a:rPr>
+              <a:t> Massih Forootan</a:t>
+            </a:r>
+            <a:endParaRPr lang="en-US" sz="2400" b="1" dirty="0">
+              <a:solidFill>
+                <a:schemeClr val="bg1">
+                  <a:lumMod val="75000"/>
+                </a:schemeClr>
+              </a:solidFill>
+            </a:endParaRPr>
+          </a:p>
+        </p:txBody>
+      </p:sp>
+    </p:spTree>
+    <p:extLst>
+      <p:ext uri="{BB962C8B-B14F-4D97-AF65-F5344CB8AC3E}">
+        <p14:creationId xmlns:p14="http://schemas.microsoft.com/office/powerpoint/2010/main" val="806231043"/>
+      </p:ext>
+    </p:extLst>
+  </p:cSld>
+  <p:clrMapOvr>
+    <a:masterClrMapping/>
+  </p:clrMapOvr>
+  <p:timing>
+    <p:tnLst>
+      <p:par>
+        <p:cTn id="1" dur="indefinite" restart="never" nodeType="tmRoot"/>
+      </p:par>
+    </p:tnLst>
+  </p:timing>
+</p:sld>
+</file>
+
+<file path=ppt/slides/slide7.xml><?xml version="1.0" encoding="utf-8"?>
+<p:sld xmlns:a="http://schemas.openxmlformats.org/drawingml/2006/main" xmlns:r="http://schemas.openxmlformats.org/officeDocument/2006/relationships" xmlns:p="http://schemas.openxmlformats.org/presentationml/2006/main">
+  <p:cSld>
+    <p:spTree>
+      <p:nvGrpSpPr>
+        <p:cNvPr id="1" name=""/>
+        <p:cNvGrpSpPr/>
+        <p:nvPr/>
+      </p:nvGrpSpPr>
+      <p:grpSpPr>
+        <a:xfrm>
+          <a:off x="0" y="0"/>
+          <a:ext cx="0" cy="0"/>
+          <a:chOff x="0" y="0"/>
+          <a:chExt cx="0" cy="0"/>
+        </a:xfrm>
+      </p:grpSpPr>
+      <p:sp>
+        <p:nvSpPr>
+          <p:cNvPr id="3" name="Content Placeholder 2"/>
+          <p:cNvSpPr>
+            <a:spLocks noGrp="1"/>
+          </p:cNvSpPr>
+          <p:nvPr>
+            <p:ph idx="1"/>
+          </p:nvPr>
+        </p:nvSpPr>
+        <p:spPr>
+          <a:xfrm>
+            <a:off x="795337" y="868363"/>
+            <a:ext cx="10515600" cy="917575"/>
+          </a:xfrm>
+        </p:spPr>
+        <p:txBody>
+          <a:bodyPr>
+            <a:noAutofit/>
+          </a:bodyPr>
+          <a:lstStyle/>
+          <a:p>
+            <a:pPr marL="0" indent="0">
+              <a:buNone/>
+            </a:pPr>
+            <a:r>
+              <a:rPr lang="en-US" sz="2400" b="1" dirty="0" smtClean="0"/>
+              <a:t>Read </a:t>
+            </a:r>
+            <a:r>
+              <a:rPr lang="en-US" sz="2400" b="1" dirty="0"/>
+              <a:t>the </a:t>
+            </a:r>
+            <a:r>
+              <a:rPr lang="en-US" sz="2400" b="1" dirty="0" smtClean="0"/>
+              <a:t>data </a:t>
+            </a:r>
+            <a:r>
+              <a:rPr lang="en-US" sz="2400" dirty="0" smtClean="0"/>
+              <a:t>PDF files converted into </a:t>
+            </a:r>
+            <a:r>
+              <a:rPr lang="en-US" sz="2400" dirty="0" err="1" smtClean="0"/>
+              <a:t>dataframes</a:t>
+            </a:r>
+            <a:r>
+              <a:rPr lang="en-US" sz="2400" dirty="0" smtClean="0"/>
+              <a:t> should be reorganized</a:t>
+            </a:r>
+            <a:endParaRPr lang="en-US" sz="2400" b="1" dirty="0"/>
+          </a:p>
+        </p:txBody>
+      </p:sp>
+      <p:sp>
+        <p:nvSpPr>
+          <p:cNvPr id="5" name="TextBox 4"/>
+          <p:cNvSpPr txBox="1"/>
+          <p:nvPr/>
+        </p:nvSpPr>
+        <p:spPr>
+          <a:xfrm>
+            <a:off x="4581524" y="5716589"/>
+            <a:ext cx="2811411" cy="584775"/>
+          </a:xfrm>
+          <a:prstGeom prst="rect">
+            <a:avLst/>
+          </a:prstGeom>
+          <a:noFill/>
+        </p:spPr>
+        <p:txBody>
+          <a:bodyPr wrap="none" rtlCol="0">
+            <a:spAutoFit/>
+          </a:bodyPr>
+          <a:lstStyle/>
+          <a:p>
+            <a:r>
+              <a:rPr lang="en-US" sz="3200" b="1" dirty="0" err="1" smtClean="0">
+                <a:solidFill>
+                  <a:schemeClr val="accent1"/>
+                </a:solidFill>
+              </a:rPr>
+              <a:t>cap_read.ipynb</a:t>
+            </a:r>
+            <a:endParaRPr lang="en-US" sz="3200" b="1" dirty="0">
+              <a:solidFill>
+                <a:schemeClr val="accent1"/>
+              </a:solidFill>
+            </a:endParaRPr>
+          </a:p>
+        </p:txBody>
+      </p:sp>
+      <p:sp>
+        <p:nvSpPr>
+          <p:cNvPr id="6" name="Rectangle 5"/>
           <p:cNvSpPr/>
           <p:nvPr/>
         </p:nvSpPr>
         <p:spPr>
           <a:xfrm>
-            <a:off x="1357313" y="1001169"/>
+            <a:off x="1400176" y="1987006"/>
             <a:ext cx="1100138" cy="1371600"/>
           </a:xfrm>
           <a:prstGeom prst="rect">
@@ -3824,21 +6224,20 @@
       </p:sp>
       <p:graphicFrame>
         <p:nvGraphicFramePr>
-          <p:cNvPr id="6" name="Content Placeholder 5"/>
+          <p:cNvPr id="7" name="Content Placeholder 5"/>
           <p:cNvGraphicFramePr>
-            <a:graphicFrameLocks noGrp="1"/>
+            <a:graphicFrameLocks/>
           </p:cNvGraphicFramePr>
           <p:nvPr>
-            <p:ph idx="1"/>
             <p:extLst>
               <p:ext uri="{D42A27DB-BD31-4B8C-83A1-F6EECF244321}">
-                <p14:modId xmlns:p14="http://schemas.microsoft.com/office/powerpoint/2010/main" val="1255322774"/>
+                <p14:modId xmlns:p14="http://schemas.microsoft.com/office/powerpoint/2010/main" val="2012750057"/>
               </p:ext>
             </p:extLst>
           </p:nvPr>
         </p:nvGraphicFramePr>
         <p:xfrm>
-          <a:off x="5886447" y="2354257"/>
+          <a:off x="5929310" y="3340094"/>
           <a:ext cx="4610100" cy="1453300"/>
         </p:xfrm>
         <a:graphic>
@@ -3965,13 +6364,13 @@
       </p:graphicFrame>
       <p:sp>
         <p:nvSpPr>
-          <p:cNvPr id="7" name="TextBox 6"/>
+          <p:cNvPr id="8" name="TextBox 7"/>
           <p:cNvSpPr txBox="1"/>
           <p:nvPr/>
         </p:nvSpPr>
         <p:spPr>
           <a:xfrm>
-            <a:off x="1614488" y="1383748"/>
+            <a:off x="1657351" y="2369585"/>
             <a:ext cx="585787" cy="769441"/>
           </a:xfrm>
           <a:prstGeom prst="rect">
@@ -4010,7 +6409,7 @@
         </p:nvSpPr>
         <p:spPr>
           <a:xfrm>
-            <a:off x="1357313" y="2535969"/>
+            <a:off x="1400176" y="3521806"/>
             <a:ext cx="1100138" cy="1371600"/>
           </a:xfrm>
           <a:prstGeom prst="rect">
@@ -4060,7 +6459,7 @@
         </p:nvSpPr>
         <p:spPr>
           <a:xfrm>
-            <a:off x="1357313" y="4090981"/>
+            <a:off x="1400176" y="5076818"/>
             <a:ext cx="1100138" cy="1371600"/>
           </a:xfrm>
           <a:prstGeom prst="rect">
@@ -4110,7 +6509,7 @@
         </p:nvSpPr>
         <p:spPr>
           <a:xfrm>
-            <a:off x="1614487" y="4392060"/>
+            <a:off x="1657350" y="5377897"/>
             <a:ext cx="585787" cy="769441"/>
           </a:xfrm>
           <a:prstGeom prst="rect">
@@ -4159,7 +6558,7 @@
         </p:nvSpPr>
         <p:spPr>
           <a:xfrm>
-            <a:off x="1614488" y="2827331"/>
+            <a:off x="1657351" y="3813168"/>
             <a:ext cx="585787" cy="769441"/>
           </a:xfrm>
           <a:prstGeom prst="rect">
@@ -4202,13 +6601,13 @@
       </p:sp>
       <p:sp>
         <p:nvSpPr>
-          <p:cNvPr id="14" name="Right Arrow 13"/>
+          <p:cNvPr id="13" name="Right Arrow 12"/>
           <p:cNvSpPr/>
           <p:nvPr/>
         </p:nvSpPr>
         <p:spPr>
           <a:xfrm>
-            <a:off x="3086100" y="2298542"/>
+            <a:off x="3128963" y="3284379"/>
             <a:ext cx="2428875" cy="1564729"/>
           </a:xfrm>
           <a:prstGeom prst="rightArrow">
@@ -4246,16 +6645,476 @@
           </a:p>
         </p:txBody>
       </p:sp>
+      <p:sp>
+        <p:nvSpPr>
+          <p:cNvPr id="14" name="Title 1"/>
+          <p:cNvSpPr txBox="1">
+            <a:spLocks/>
+          </p:cNvSpPr>
+          <p:nvPr/>
+        </p:nvSpPr>
+        <p:spPr>
+          <a:xfrm>
+            <a:off x="120894" y="0"/>
+            <a:ext cx="8921261" cy="371475"/>
+          </a:xfrm>
+          <a:prstGeom prst="rect">
+            <a:avLst/>
+          </a:prstGeom>
+        </p:spPr>
+        <p:txBody>
+          <a:bodyPr vert="horz" lIns="91440" tIns="45720" rIns="91440" bIns="45720" rtlCol="0" anchor="ctr">
+            <a:noAutofit/>
+          </a:bodyPr>
+          <a:lstStyle>
+            <a:lvl1pPr algn="l" defTabSz="914400" rtl="0" eaLnBrk="1" latinLnBrk="0" hangingPunct="1">
+              <a:lnSpc>
+                <a:spcPct val="90000"/>
+              </a:lnSpc>
+              <a:spcBef>
+                <a:spcPct val="0"/>
+              </a:spcBef>
+              <a:buNone/>
+              <a:defRPr sz="4400" kern="1200">
+                <a:solidFill>
+                  <a:schemeClr val="tx1"/>
+                </a:solidFill>
+                <a:latin typeface="+mj-lt"/>
+                <a:ea typeface="+mj-ea"/>
+                <a:cs typeface="+mj-cs"/>
+              </a:defRPr>
+            </a:lvl1pPr>
+          </a:lstStyle>
+          <a:p>
+            <a:r>
+              <a:rPr lang="en-US" sz="2400" b="1" smtClean="0">
+                <a:solidFill>
+                  <a:schemeClr val="bg1">
+                    <a:lumMod val="75000"/>
+                  </a:schemeClr>
+                </a:solidFill>
+              </a:rPr>
+              <a:t>Land Use change in Tennessee </a:t>
+            </a:r>
+            <a:r>
+              <a:rPr lang="mr-IN" sz="2400" b="1" smtClean="0">
+                <a:solidFill>
+                  <a:schemeClr val="bg1">
+                    <a:lumMod val="75000"/>
+                  </a:schemeClr>
+                </a:solidFill>
+              </a:rPr>
+              <a:t>–</a:t>
+            </a:r>
+            <a:r>
+              <a:rPr lang="en-US" sz="2400" b="1" smtClean="0">
+                <a:solidFill>
+                  <a:schemeClr val="bg1">
+                    <a:lumMod val="75000"/>
+                  </a:schemeClr>
+                </a:solidFill>
+              </a:rPr>
+              <a:t> Massih Forootan</a:t>
+            </a:r>
+            <a:endParaRPr lang="en-US" sz="2400" b="1" dirty="0">
+              <a:solidFill>
+                <a:schemeClr val="bg1">
+                  <a:lumMod val="75000"/>
+                </a:schemeClr>
+              </a:solidFill>
+            </a:endParaRPr>
+          </a:p>
+        </p:txBody>
+      </p:sp>
     </p:spTree>
     <p:extLst>
       <p:ext uri="{BB962C8B-B14F-4D97-AF65-F5344CB8AC3E}">
-        <p14:creationId xmlns:p14="http://schemas.microsoft.com/office/powerpoint/2010/main" val="195589995"/>
+        <p14:creationId xmlns:p14="http://schemas.microsoft.com/office/powerpoint/2010/main" val="1434629751"/>
       </p:ext>
     </p:extLst>
   </p:cSld>
   <p:clrMapOvr>
     <a:masterClrMapping/>
   </p:clrMapOvr>
+  <p:timing>
+    <p:tnLst>
+      <p:par>
+        <p:cTn id="1" dur="indefinite" restart="never" nodeType="tmRoot"/>
+      </p:par>
+    </p:tnLst>
+  </p:timing>
+</p:sld>
+</file>
+
+<file path=ppt/slides/slide8.xml><?xml version="1.0" encoding="utf-8"?>
+<p:sld xmlns:a="http://schemas.openxmlformats.org/drawingml/2006/main" xmlns:r="http://schemas.openxmlformats.org/officeDocument/2006/relationships" xmlns:p="http://schemas.openxmlformats.org/presentationml/2006/main">
+  <p:cSld>
+    <p:spTree>
+      <p:nvGrpSpPr>
+        <p:cNvPr id="1" name=""/>
+        <p:cNvGrpSpPr/>
+        <p:nvPr/>
+      </p:nvGrpSpPr>
+      <p:grpSpPr>
+        <a:xfrm>
+          <a:off x="0" y="0"/>
+          <a:ext cx="0" cy="0"/>
+          <a:chOff x="0" y="0"/>
+          <a:chExt cx="0" cy="0"/>
+        </a:xfrm>
+      </p:grpSpPr>
+      <p:sp>
+        <p:nvSpPr>
+          <p:cNvPr id="5" name="TextBox 4"/>
+          <p:cNvSpPr txBox="1"/>
+          <p:nvPr/>
+        </p:nvSpPr>
+        <p:spPr>
+          <a:xfrm>
+            <a:off x="4581524" y="5846362"/>
+            <a:ext cx="2632708" cy="584775"/>
+          </a:xfrm>
+          <a:prstGeom prst="rect">
+            <a:avLst/>
+          </a:prstGeom>
+          <a:noFill/>
+        </p:spPr>
+        <p:txBody>
+          <a:bodyPr wrap="none" rtlCol="0">
+            <a:spAutoFit/>
+          </a:bodyPr>
+          <a:lstStyle/>
+          <a:p>
+            <a:r>
+              <a:rPr lang="en-US" sz="3200" b="1" dirty="0" err="1" smtClean="0">
+                <a:solidFill>
+                  <a:schemeClr val="accent1"/>
+                </a:solidFill>
+              </a:rPr>
+              <a:t>cap_pca.ipynb</a:t>
+            </a:r>
+            <a:endParaRPr lang="en-US" sz="3200" b="1" dirty="0">
+              <a:solidFill>
+                <a:schemeClr val="accent1"/>
+              </a:solidFill>
+            </a:endParaRPr>
+          </a:p>
+        </p:txBody>
+      </p:sp>
+      <p:pic>
+        <p:nvPicPr>
+          <p:cNvPr id="2" name="Picture 1"/>
+          <p:cNvPicPr>
+            <a:picLocks noChangeAspect="1"/>
+          </p:cNvPicPr>
+          <p:nvPr/>
+        </p:nvPicPr>
+        <p:blipFill>
+          <a:blip r:embed="rId2">
+            <a:extLst>
+              <a:ext uri="{28A0092B-C50C-407E-A947-70E740481C1C}">
+                <a14:useLocalDpi xmlns:a14="http://schemas.microsoft.com/office/drawing/2010/main" val="0"/>
+              </a:ext>
+            </a:extLst>
+          </a:blip>
+          <a:stretch>
+            <a:fillRect/>
+          </a:stretch>
+        </p:blipFill>
+        <p:spPr>
+          <a:xfrm>
+            <a:off x="3047522" y="836259"/>
+            <a:ext cx="5700712" cy="5004924"/>
+          </a:xfrm>
+          <a:prstGeom prst="rect">
+            <a:avLst/>
+          </a:prstGeom>
+        </p:spPr>
+      </p:pic>
+      <p:sp>
+        <p:nvSpPr>
+          <p:cNvPr id="8" name="Title 1"/>
+          <p:cNvSpPr txBox="1">
+            <a:spLocks/>
+          </p:cNvSpPr>
+          <p:nvPr/>
+        </p:nvSpPr>
+        <p:spPr>
+          <a:xfrm>
+            <a:off x="120894" y="0"/>
+            <a:ext cx="8921261" cy="371475"/>
+          </a:xfrm>
+          <a:prstGeom prst="rect">
+            <a:avLst/>
+          </a:prstGeom>
+        </p:spPr>
+        <p:txBody>
+          <a:bodyPr vert="horz" lIns="91440" tIns="45720" rIns="91440" bIns="45720" rtlCol="0" anchor="ctr">
+            <a:noAutofit/>
+          </a:bodyPr>
+          <a:lstStyle>
+            <a:lvl1pPr algn="l" defTabSz="914400" rtl="0" eaLnBrk="1" latinLnBrk="0" hangingPunct="1">
+              <a:lnSpc>
+                <a:spcPct val="90000"/>
+              </a:lnSpc>
+              <a:spcBef>
+                <a:spcPct val="0"/>
+              </a:spcBef>
+              <a:buNone/>
+              <a:defRPr sz="4400" kern="1200">
+                <a:solidFill>
+                  <a:schemeClr val="tx1"/>
+                </a:solidFill>
+                <a:latin typeface="+mj-lt"/>
+                <a:ea typeface="+mj-ea"/>
+                <a:cs typeface="+mj-cs"/>
+              </a:defRPr>
+            </a:lvl1pPr>
+          </a:lstStyle>
+          <a:p>
+            <a:r>
+              <a:rPr lang="en-US" sz="2400" b="1" smtClean="0">
+                <a:solidFill>
+                  <a:schemeClr val="bg1">
+                    <a:lumMod val="75000"/>
+                  </a:schemeClr>
+                </a:solidFill>
+              </a:rPr>
+              <a:t>Land Use change in Tennessee </a:t>
+            </a:r>
+            <a:r>
+              <a:rPr lang="mr-IN" sz="2400" b="1" smtClean="0">
+                <a:solidFill>
+                  <a:schemeClr val="bg1">
+                    <a:lumMod val="75000"/>
+                  </a:schemeClr>
+                </a:solidFill>
+              </a:rPr>
+              <a:t>–</a:t>
+            </a:r>
+            <a:r>
+              <a:rPr lang="en-US" sz="2400" b="1" smtClean="0">
+                <a:solidFill>
+                  <a:schemeClr val="bg1">
+                    <a:lumMod val="75000"/>
+                  </a:schemeClr>
+                </a:solidFill>
+              </a:rPr>
+              <a:t> Massih Forootan</a:t>
+            </a:r>
+            <a:endParaRPr lang="en-US" sz="2400" b="1" dirty="0">
+              <a:solidFill>
+                <a:schemeClr val="bg1">
+                  <a:lumMod val="75000"/>
+                </a:schemeClr>
+              </a:solidFill>
+            </a:endParaRPr>
+          </a:p>
+        </p:txBody>
+      </p:sp>
+    </p:spTree>
+    <p:extLst>
+      <p:ext uri="{BB962C8B-B14F-4D97-AF65-F5344CB8AC3E}">
+        <p14:creationId xmlns:p14="http://schemas.microsoft.com/office/powerpoint/2010/main" val="1617181141"/>
+      </p:ext>
+    </p:extLst>
+  </p:cSld>
+  <p:clrMapOvr>
+    <a:masterClrMapping/>
+  </p:clrMapOvr>
+  <p:timing>
+    <p:tnLst>
+      <p:par>
+        <p:cTn id="1" dur="indefinite" restart="never" nodeType="tmRoot"/>
+      </p:par>
+    </p:tnLst>
+  </p:timing>
+</p:sld>
+</file>
+
+<file path=ppt/slides/slide9.xml><?xml version="1.0" encoding="utf-8"?>
+<p:sld xmlns:a="http://schemas.openxmlformats.org/drawingml/2006/main" xmlns:r="http://schemas.openxmlformats.org/officeDocument/2006/relationships" xmlns:p="http://schemas.openxmlformats.org/presentationml/2006/main">
+  <p:cSld>
+    <p:spTree>
+      <p:nvGrpSpPr>
+        <p:cNvPr id="1" name=""/>
+        <p:cNvGrpSpPr/>
+        <p:nvPr/>
+      </p:nvGrpSpPr>
+      <p:grpSpPr>
+        <a:xfrm>
+          <a:off x="0" y="0"/>
+          <a:ext cx="0" cy="0"/>
+          <a:chOff x="0" y="0"/>
+          <a:chExt cx="0" cy="0"/>
+        </a:xfrm>
+      </p:grpSpPr>
+      <p:sp>
+        <p:nvSpPr>
+          <p:cNvPr id="5" name="TextBox 4"/>
+          <p:cNvSpPr txBox="1"/>
+          <p:nvPr/>
+        </p:nvSpPr>
+        <p:spPr>
+          <a:xfrm>
+            <a:off x="4581524" y="5716589"/>
+            <a:ext cx="2632708" cy="584775"/>
+          </a:xfrm>
+          <a:prstGeom prst="rect">
+            <a:avLst/>
+          </a:prstGeom>
+          <a:noFill/>
+        </p:spPr>
+        <p:txBody>
+          <a:bodyPr wrap="none" rtlCol="0">
+            <a:spAutoFit/>
+          </a:bodyPr>
+          <a:lstStyle/>
+          <a:p>
+            <a:r>
+              <a:rPr lang="en-US" sz="3200" b="1" dirty="0" err="1" smtClean="0">
+                <a:solidFill>
+                  <a:schemeClr val="accent1"/>
+                </a:solidFill>
+              </a:rPr>
+              <a:t>cap_pca.ipynb</a:t>
+            </a:r>
+            <a:endParaRPr lang="en-US" sz="3200" b="1" dirty="0">
+              <a:solidFill>
+                <a:schemeClr val="accent1"/>
+              </a:solidFill>
+            </a:endParaRPr>
+          </a:p>
+        </p:txBody>
+      </p:sp>
+      <p:pic>
+        <p:nvPicPr>
+          <p:cNvPr id="7" name="Picture 6"/>
+          <p:cNvPicPr>
+            <a:picLocks noChangeAspect="1"/>
+          </p:cNvPicPr>
+          <p:nvPr/>
+        </p:nvPicPr>
+        <p:blipFill>
+          <a:blip r:embed="rId2">
+            <a:extLst>
+              <a:ext uri="{28A0092B-C50C-407E-A947-70E740481C1C}">
+                <a14:useLocalDpi xmlns:a14="http://schemas.microsoft.com/office/drawing/2010/main" val="0"/>
+              </a:ext>
+            </a:extLst>
+          </a:blip>
+          <a:stretch>
+            <a:fillRect/>
+          </a:stretch>
+        </p:blipFill>
+        <p:spPr>
+          <a:xfrm>
+            <a:off x="757074" y="2316942"/>
+            <a:ext cx="10281607" cy="3399647"/>
+          </a:xfrm>
+          <a:prstGeom prst="rect">
+            <a:avLst/>
+          </a:prstGeom>
+        </p:spPr>
+      </p:pic>
+      <p:sp>
+        <p:nvSpPr>
+          <p:cNvPr id="9" name="Title 1"/>
+          <p:cNvSpPr txBox="1">
+            <a:spLocks/>
+          </p:cNvSpPr>
+          <p:nvPr/>
+        </p:nvSpPr>
+        <p:spPr>
+          <a:xfrm>
+            <a:off x="120894" y="0"/>
+            <a:ext cx="8921261" cy="371475"/>
+          </a:xfrm>
+          <a:prstGeom prst="rect">
+            <a:avLst/>
+          </a:prstGeom>
+        </p:spPr>
+        <p:txBody>
+          <a:bodyPr vert="horz" lIns="91440" tIns="45720" rIns="91440" bIns="45720" rtlCol="0" anchor="ctr">
+            <a:noAutofit/>
+          </a:bodyPr>
+          <a:lstStyle>
+            <a:lvl1pPr algn="l" defTabSz="914400" rtl="0" eaLnBrk="1" latinLnBrk="0" hangingPunct="1">
+              <a:lnSpc>
+                <a:spcPct val="90000"/>
+              </a:lnSpc>
+              <a:spcBef>
+                <a:spcPct val="0"/>
+              </a:spcBef>
+              <a:buNone/>
+              <a:defRPr sz="4400" kern="1200">
+                <a:solidFill>
+                  <a:schemeClr val="tx1"/>
+                </a:solidFill>
+                <a:latin typeface="+mj-lt"/>
+                <a:ea typeface="+mj-ea"/>
+                <a:cs typeface="+mj-cs"/>
+              </a:defRPr>
+            </a:lvl1pPr>
+          </a:lstStyle>
+          <a:p>
+            <a:r>
+              <a:rPr lang="en-US" sz="2400" b="1" smtClean="0">
+                <a:solidFill>
+                  <a:schemeClr val="bg1">
+                    <a:lumMod val="75000"/>
+                  </a:schemeClr>
+                </a:solidFill>
+              </a:rPr>
+              <a:t>Land Use change in Tennessee </a:t>
+            </a:r>
+            <a:r>
+              <a:rPr lang="mr-IN" sz="2400" b="1" smtClean="0">
+                <a:solidFill>
+                  <a:schemeClr val="bg1">
+                    <a:lumMod val="75000"/>
+                  </a:schemeClr>
+                </a:solidFill>
+              </a:rPr>
+              <a:t>–</a:t>
+            </a:r>
+            <a:r>
+              <a:rPr lang="en-US" sz="2400" b="1" smtClean="0">
+                <a:solidFill>
+                  <a:schemeClr val="bg1">
+                    <a:lumMod val="75000"/>
+                  </a:schemeClr>
+                </a:solidFill>
+              </a:rPr>
+              <a:t> Massih Forootan</a:t>
+            </a:r>
+            <a:endParaRPr lang="en-US" sz="2400" b="1" dirty="0">
+              <a:solidFill>
+                <a:schemeClr val="bg1">
+                  <a:lumMod val="75000"/>
+                </a:schemeClr>
+              </a:solidFill>
+            </a:endParaRPr>
+          </a:p>
+        </p:txBody>
+      </p:sp>
+    </p:spTree>
+    <p:extLst>
+      <p:ext uri="{BB962C8B-B14F-4D97-AF65-F5344CB8AC3E}">
+        <p14:creationId xmlns:p14="http://schemas.microsoft.com/office/powerpoint/2010/main" val="1250685600"/>
+      </p:ext>
+    </p:extLst>
+  </p:cSld>
+  <p:clrMapOvr>
+    <a:masterClrMapping/>
+  </p:clrMapOvr>
+  <p:timing>
+    <p:tnLst>
+      <p:par>
+        <p:cTn id="1" dur="indefinite" restart="never" nodeType="tmRoot"/>
+      </p:par>
+    </p:tnLst>
+  </p:timing>
 </p:sld>
 </file>
 
